--- a/causalgraphs.pptx
+++ b/causalgraphs.pptx
@@ -3149,7 +3149,7 @@
           <p:spPr>
             <a:xfrm>
               <a:off x="4265655" y="105420"/>
-              <a:ext cx="3657600" cy="338554"/>
+              <a:ext cx="3657600" cy="369332"/>
             </a:xfrm>
             <a:prstGeom prst="rect">
               <a:avLst/>
@@ -3164,7 +3164,7 @@
             <a:p>
               <a:pPr algn="ctr"/>
               <a:r>
-                <a:rPr lang="en-US" sz="1550" b="1" dirty="0"/>
+                <a:rPr lang="en-US" b="1" dirty="0"/>
                 <a:t>Lead Exposure</a:t>
               </a:r>
             </a:p>
@@ -3188,8 +3188,8 @@
           </p:nvCxnSpPr>
           <p:spPr>
             <a:xfrm>
-              <a:off x="6094455" y="443974"/>
-              <a:ext cx="5925" cy="203900"/>
+              <a:off x="6094455" y="474752"/>
+              <a:ext cx="5925" cy="173122"/>
             </a:xfrm>
             <a:prstGeom prst="straightConnector1">
               <a:avLst/>
@@ -3921,7 +3921,7 @@
           <p:spPr>
             <a:xfrm>
               <a:off x="5540900" y="7319116"/>
-              <a:ext cx="2091849" cy="1800000"/>
+              <a:ext cx="1800001" cy="1813156"/>
             </a:xfrm>
             <a:prstGeom prst="ellipse">
               <a:avLst/>
@@ -3953,7 +3953,7 @@
                     <a:sysClr val="windowText" lastClr="000000"/>
                   </a:solidFill>
                 </a:rPr>
-                <a:t>Socioeconomic status</a:t>
+                <a:t>Socio-economic status</a:t>
               </a:r>
               <a:endParaRPr lang="en-US" sz="1550" dirty="0"/>
             </a:p>
@@ -4015,8 +4015,8 @@
           </p:nvSpPr>
           <p:spPr>
             <a:xfrm>
-              <a:off x="8480206" y="7319115"/>
-              <a:ext cx="1800000" cy="1800000"/>
+              <a:off x="8480206" y="7319114"/>
+              <a:ext cx="1742786" cy="1813157"/>
             </a:xfrm>
             <a:prstGeom prst="ellipse">
               <a:avLst/>
@@ -4080,8 +4080,8 @@
           </p:nvCxnSpPr>
           <p:spPr>
             <a:xfrm flipH="1">
-              <a:off x="4559252" y="8219116"/>
-              <a:ext cx="981648" cy="13156"/>
+              <a:off x="4559252" y="8225694"/>
+              <a:ext cx="981648" cy="6578"/>
             </a:xfrm>
             <a:prstGeom prst="straightConnector1">
               <a:avLst/>
@@ -4124,8 +4124,8 @@
           </p:nvCxnSpPr>
           <p:spPr>
             <a:xfrm flipH="1">
-              <a:off x="7632749" y="8219115"/>
-              <a:ext cx="847457" cy="1"/>
+              <a:off x="7340901" y="8225693"/>
+              <a:ext cx="1139305" cy="1"/>
             </a:xfrm>
             <a:prstGeom prst="straightConnector1">
               <a:avLst/>

--- a/causalgraphs.pptx
+++ b/causalgraphs.pptx
@@ -2985,10 +2985,10 @@
         </p:nvGrpSpPr>
         <p:grpSpPr>
           <a:xfrm>
-            <a:off x="487584" y="105420"/>
-            <a:ext cx="11421550" cy="11603116"/>
-            <a:chOff x="487584" y="105420"/>
-            <a:chExt cx="11421550" cy="11603116"/>
+            <a:off x="896815" y="138073"/>
+            <a:ext cx="9686466" cy="11603116"/>
+            <a:chOff x="896815" y="105420"/>
+            <a:chExt cx="9686466" cy="11603116"/>
           </a:xfrm>
         </p:grpSpPr>
         <p:cxnSp>
@@ -3438,9 +3438,9 @@
             <p:nvPr/>
           </p:nvCxnSpPr>
           <p:spPr>
-            <a:xfrm>
-              <a:off x="3721547" y="2462978"/>
-              <a:ext cx="1062" cy="186019"/>
+            <a:xfrm flipH="1">
+              <a:off x="3712381" y="2462978"/>
+              <a:ext cx="9166" cy="186019"/>
             </a:xfrm>
             <a:prstGeom prst="straightConnector1">
               <a:avLst/>
@@ -3483,9 +3483,9 @@
             <p:nvPr/>
           </p:nvCxnSpPr>
           <p:spPr>
-            <a:xfrm flipH="1">
-              <a:off x="3721547" y="6781277"/>
-              <a:ext cx="1062" cy="437366"/>
+            <a:xfrm>
+              <a:off x="3712381" y="6781277"/>
+              <a:ext cx="9166" cy="437366"/>
             </a:xfrm>
             <a:prstGeom prst="straightConnector1">
               <a:avLst/>
@@ -3524,8 +3524,8 @@
           </p:nvSpPr>
           <p:spPr>
             <a:xfrm>
-              <a:off x="989436" y="7218643"/>
-              <a:ext cx="10919698" cy="2011622"/>
+              <a:off x="2299149" y="7218643"/>
+              <a:ext cx="8284132" cy="2011622"/>
             </a:xfrm>
             <a:prstGeom prst="rect">
               <a:avLst/>
@@ -3629,10 +3629,10 @@
           </p:nvGrpSpPr>
           <p:grpSpPr>
             <a:xfrm>
-              <a:off x="993809" y="2648997"/>
-              <a:ext cx="5457600" cy="4132280"/>
-              <a:chOff x="742950" y="4018328"/>
-              <a:chExt cx="5455476" cy="4132280"/>
+              <a:off x="1267452" y="2648997"/>
+              <a:ext cx="4889857" cy="4132280"/>
+              <a:chOff x="1016486" y="4018328"/>
+              <a:chExt cx="4887953" cy="4132280"/>
             </a:xfrm>
           </p:grpSpPr>
           <p:sp>
@@ -3816,8 +3816,8 @@
             </p:nvSpPr>
             <p:spPr>
               <a:xfrm>
-                <a:off x="742950" y="4018328"/>
-                <a:ext cx="5455476" cy="4132280"/>
+                <a:off x="1016486" y="4018328"/>
+                <a:ext cx="4887953" cy="4132280"/>
               </a:xfrm>
               <a:prstGeom prst="rect">
                 <a:avLst/>
@@ -4166,7 +4166,7 @@
           </p:nvCxnSpPr>
           <p:spPr>
             <a:xfrm flipV="1">
-              <a:off x="10872788" y="274697"/>
+              <a:off x="10246072" y="269005"/>
               <a:ext cx="0" cy="6943946"/>
             </a:xfrm>
             <a:prstGeom prst="line">
@@ -4208,9 +4208,9 @@
             <p:nvPr/>
           </p:nvCxnSpPr>
           <p:spPr>
-            <a:xfrm flipH="1">
+            <a:xfrm flipH="1" flipV="1">
               <a:off x="6923170" y="274697"/>
-              <a:ext cx="3949618" cy="0"/>
+              <a:ext cx="3322902" cy="15389"/>
             </a:xfrm>
             <a:prstGeom prst="straightConnector1">
               <a:avLst/>
@@ -4256,7 +4256,7 @@
           <p:spPr>
             <a:xfrm flipH="1">
               <a:off x="6440901" y="9230265"/>
-              <a:ext cx="8384" cy="678271"/>
+              <a:ext cx="314" cy="678271"/>
             </a:xfrm>
             <a:prstGeom prst="straightConnector1">
               <a:avLst/>
@@ -4300,8 +4300,8 @@
           </p:nvCxnSpPr>
           <p:spPr>
             <a:xfrm>
-              <a:off x="487584" y="4715137"/>
-              <a:ext cx="506225" cy="0"/>
+              <a:off x="896815" y="4715137"/>
+              <a:ext cx="370637" cy="0"/>
             </a:xfrm>
             <a:prstGeom prst="line">
               <a:avLst/>
@@ -4343,8 +4343,8 @@
           </p:nvCxnSpPr>
           <p:spPr>
             <a:xfrm>
-              <a:off x="487584" y="4715137"/>
-              <a:ext cx="28950" cy="6101783"/>
+              <a:off x="907163" y="4715137"/>
+              <a:ext cx="0" cy="6093399"/>
             </a:xfrm>
             <a:prstGeom prst="line">
               <a:avLst/>
@@ -4386,9 +4386,9 @@
             <p:nvPr/>
           </p:nvCxnSpPr>
           <p:spPr>
-            <a:xfrm flipV="1">
-              <a:off x="506294" y="10808536"/>
-              <a:ext cx="5034607" cy="8384"/>
+            <a:xfrm>
+              <a:off x="896815" y="10808536"/>
+              <a:ext cx="4644086" cy="0"/>
             </a:xfrm>
             <a:prstGeom prst="straightConnector1">
               <a:avLst/>

--- a/causalgraphs.pptx
+++ b/causalgraphs.pptx
@@ -6,6 +6,7 @@
   </p:sldMasterIdLst>
   <p:sldIdLst>
     <p:sldId id="257" r:id="rId2"/>
+    <p:sldId id="258" r:id="rId3"/>
   </p:sldIdLst>
   <p:sldSz cx="12192000" cy="11879263"/>
   <p:notesSz cx="6858000" cy="9144000"/>
@@ -243,7 +244,7 @@
           <a:p>
             <a:fld id="{0242246C-62F8-8D41-AE20-12536F7DA5C0}" type="datetimeFigureOut">
               <a:rPr lang="en-US" smtClean="0"/>
-              <a:t>4/27/22</a:t>
+              <a:t>4/29/22</a:t>
             </a:fld>
             <a:endParaRPr lang="en-US"/>
           </a:p>
@@ -413,7 +414,7 @@
           <a:p>
             <a:fld id="{0242246C-62F8-8D41-AE20-12536F7DA5C0}" type="datetimeFigureOut">
               <a:rPr lang="en-US" smtClean="0"/>
-              <a:t>4/27/22</a:t>
+              <a:t>4/29/22</a:t>
             </a:fld>
             <a:endParaRPr lang="en-US"/>
           </a:p>
@@ -593,7 +594,7 @@
           <a:p>
             <a:fld id="{0242246C-62F8-8D41-AE20-12536F7DA5C0}" type="datetimeFigureOut">
               <a:rPr lang="en-US" smtClean="0"/>
-              <a:t>4/27/22</a:t>
+              <a:t>4/29/22</a:t>
             </a:fld>
             <a:endParaRPr lang="en-US"/>
           </a:p>
@@ -763,7 +764,7 @@
           <a:p>
             <a:fld id="{0242246C-62F8-8D41-AE20-12536F7DA5C0}" type="datetimeFigureOut">
               <a:rPr lang="en-US" smtClean="0"/>
-              <a:t>4/27/22</a:t>
+              <a:t>4/29/22</a:t>
             </a:fld>
             <a:endParaRPr lang="en-US"/>
           </a:p>
@@ -1007,7 +1008,7 @@
           <a:p>
             <a:fld id="{0242246C-62F8-8D41-AE20-12536F7DA5C0}" type="datetimeFigureOut">
               <a:rPr lang="en-US" smtClean="0"/>
-              <a:t>4/27/22</a:t>
+              <a:t>4/29/22</a:t>
             </a:fld>
             <a:endParaRPr lang="en-US"/>
           </a:p>
@@ -1239,7 +1240,7 @@
           <a:p>
             <a:fld id="{0242246C-62F8-8D41-AE20-12536F7DA5C0}" type="datetimeFigureOut">
               <a:rPr lang="en-US" smtClean="0"/>
-              <a:t>4/27/22</a:t>
+              <a:t>4/29/22</a:t>
             </a:fld>
             <a:endParaRPr lang="en-US"/>
           </a:p>
@@ -1606,7 +1607,7 @@
           <a:p>
             <a:fld id="{0242246C-62F8-8D41-AE20-12536F7DA5C0}" type="datetimeFigureOut">
               <a:rPr lang="en-US" smtClean="0"/>
-              <a:t>4/27/22</a:t>
+              <a:t>4/29/22</a:t>
             </a:fld>
             <a:endParaRPr lang="en-US"/>
           </a:p>
@@ -1724,7 +1725,7 @@
           <a:p>
             <a:fld id="{0242246C-62F8-8D41-AE20-12536F7DA5C0}" type="datetimeFigureOut">
               <a:rPr lang="en-US" smtClean="0"/>
-              <a:t>4/27/22</a:t>
+              <a:t>4/29/22</a:t>
             </a:fld>
             <a:endParaRPr lang="en-US"/>
           </a:p>
@@ -1819,7 +1820,7 @@
           <a:p>
             <a:fld id="{0242246C-62F8-8D41-AE20-12536F7DA5C0}" type="datetimeFigureOut">
               <a:rPr lang="en-US" smtClean="0"/>
-              <a:t>4/27/22</a:t>
+              <a:t>4/29/22</a:t>
             </a:fld>
             <a:endParaRPr lang="en-US"/>
           </a:p>
@@ -2096,7 +2097,7 @@
           <a:p>
             <a:fld id="{0242246C-62F8-8D41-AE20-12536F7DA5C0}" type="datetimeFigureOut">
               <a:rPr lang="en-US" smtClean="0"/>
-              <a:t>4/27/22</a:t>
+              <a:t>4/29/22</a:t>
             </a:fld>
             <a:endParaRPr lang="en-US"/>
           </a:p>
@@ -2353,7 +2354,7 @@
           <a:p>
             <a:fld id="{0242246C-62F8-8D41-AE20-12536F7DA5C0}" type="datetimeFigureOut">
               <a:rPr lang="en-US" smtClean="0"/>
-              <a:t>4/27/22</a:t>
+              <a:t>4/29/22</a:t>
             </a:fld>
             <a:endParaRPr lang="en-US"/>
           </a:p>
@@ -2566,7 +2567,7 @@
           <a:p>
             <a:fld id="{0242246C-62F8-8D41-AE20-12536F7DA5C0}" type="datetimeFigureOut">
               <a:rPr lang="en-US" smtClean="0"/>
-              <a:t>4/27/22</a:t>
+              <a:t>4/29/22</a:t>
             </a:fld>
             <a:endParaRPr lang="en-US"/>
           </a:p>
@@ -4429,6 +4430,576 @@
 </p:sld>
 </file>
 
+<file path=ppt/slides/slide2.xml><?xml version="1.0" encoding="utf-8"?>
+<p:sld xmlns:a="http://schemas.openxmlformats.org/drawingml/2006/main" xmlns:r="http://schemas.openxmlformats.org/officeDocument/2006/relationships" xmlns:p="http://schemas.openxmlformats.org/presentationml/2006/main">
+  <p:cSld>
+    <p:spTree>
+      <p:nvGrpSpPr>
+        <p:cNvPr id="1" name=""/>
+        <p:cNvGrpSpPr/>
+        <p:nvPr/>
+      </p:nvGrpSpPr>
+      <p:grpSpPr>
+        <a:xfrm>
+          <a:off x="0" y="0"/>
+          <a:ext cx="0" cy="0"/>
+          <a:chOff x="0" y="0"/>
+          <a:chExt cx="0" cy="0"/>
+        </a:xfrm>
+      </p:grpSpPr>
+      <p:grpSp>
+        <p:nvGrpSpPr>
+          <p:cNvPr id="23" name="Group 22">
+            <a:extLst>
+              <a:ext uri="{FF2B5EF4-FFF2-40B4-BE49-F238E27FC236}">
+                <a16:creationId xmlns:a16="http://schemas.microsoft.com/office/drawing/2014/main" id="{844AD0BC-0A26-41EB-53C8-B85FAF6795A0}"/>
+              </a:ext>
+            </a:extLst>
+          </p:cNvPr>
+          <p:cNvGrpSpPr/>
+          <p:nvPr/>
+        </p:nvGrpSpPr>
+        <p:grpSpPr>
+          <a:xfrm>
+            <a:off x="1610929" y="826153"/>
+            <a:ext cx="8070142" cy="5113478"/>
+            <a:chOff x="1482913" y="655426"/>
+            <a:chExt cx="8070142" cy="5113478"/>
+          </a:xfrm>
+        </p:grpSpPr>
+        <p:sp>
+          <p:nvSpPr>
+            <p:cNvPr id="5" name="Oval 4">
+              <a:extLst>
+                <a:ext uri="{FF2B5EF4-FFF2-40B4-BE49-F238E27FC236}">
+                  <a16:creationId xmlns:a16="http://schemas.microsoft.com/office/drawing/2014/main" id="{AC569348-CC3A-E14B-BC2F-E1E320D46D14}"/>
+                </a:ext>
+              </a:extLst>
+            </p:cNvPr>
+            <p:cNvSpPr/>
+            <p:nvPr/>
+          </p:nvSpPr>
+          <p:spPr>
+            <a:xfrm>
+              <a:off x="1482913" y="3968904"/>
+              <a:ext cx="1800000" cy="1800000"/>
+            </a:xfrm>
+            <a:prstGeom prst="ellipse">
+              <a:avLst/>
+            </a:prstGeom>
+            <a:ln w="38100">
+              <a:solidFill>
+                <a:schemeClr val="tx1"/>
+              </a:solidFill>
+            </a:ln>
+          </p:spPr>
+          <p:style>
+            <a:lnRef idx="2">
+              <a:schemeClr val="dk1"/>
+            </a:lnRef>
+            <a:fillRef idx="1">
+              <a:schemeClr val="lt1"/>
+            </a:fillRef>
+            <a:effectRef idx="0">
+              <a:schemeClr val="dk1"/>
+            </a:effectRef>
+            <a:fontRef idx="minor">
+              <a:schemeClr val="dk1"/>
+            </a:fontRef>
+          </p:style>
+          <p:txBody>
+            <a:bodyPr rtlCol="0" anchor="ctr"/>
+            <a:lstStyle/>
+            <a:p>
+              <a:pPr algn="ctr"/>
+              <a:r>
+                <a:rPr lang="en-US" dirty="0"/>
+                <a:t>Childhood Subjective</a:t>
+              </a:r>
+            </a:p>
+            <a:p>
+              <a:pPr algn="ctr"/>
+              <a:r>
+                <a:rPr lang="en-US" dirty="0"/>
+                <a:t>Wellbeing</a:t>
+              </a:r>
+            </a:p>
+          </p:txBody>
+        </p:sp>
+        <p:cxnSp>
+          <p:nvCxnSpPr>
+            <p:cNvPr id="58" name="Straight Arrow Connector 57">
+              <a:extLst>
+                <a:ext uri="{FF2B5EF4-FFF2-40B4-BE49-F238E27FC236}">
+                  <a16:creationId xmlns:a16="http://schemas.microsoft.com/office/drawing/2014/main" id="{4BA2BBBF-4440-6F47-A569-2F27702655C7}"/>
+                </a:ext>
+              </a:extLst>
+            </p:cNvPr>
+            <p:cNvCxnSpPr>
+              <a:cxnSpLocks/>
+              <a:stCxn id="104" idx="6"/>
+              <a:endCxn id="105" idx="2"/>
+            </p:cNvCxnSpPr>
+            <p:nvPr/>
+          </p:nvCxnSpPr>
+          <p:spPr>
+            <a:xfrm>
+              <a:off x="3282913" y="1555426"/>
+              <a:ext cx="4470142" cy="0"/>
+            </a:xfrm>
+            <a:prstGeom prst="straightConnector1">
+              <a:avLst/>
+            </a:prstGeom>
+            <a:ln w="38100">
+              <a:solidFill>
+                <a:schemeClr val="tx1"/>
+              </a:solidFill>
+              <a:prstDash val="sysDot"/>
+              <a:tailEnd type="triangle"/>
+            </a:ln>
+          </p:spPr>
+          <p:style>
+            <a:lnRef idx="1">
+              <a:schemeClr val="dk1"/>
+            </a:lnRef>
+            <a:fillRef idx="0">
+              <a:schemeClr val="dk1"/>
+            </a:fillRef>
+            <a:effectRef idx="0">
+              <a:schemeClr val="dk1"/>
+            </a:effectRef>
+            <a:fontRef idx="minor">
+              <a:schemeClr val="tx1"/>
+            </a:fontRef>
+          </p:style>
+        </p:cxnSp>
+        <p:sp>
+          <p:nvSpPr>
+            <p:cNvPr id="104" name="Oval 103">
+              <a:extLst>
+                <a:ext uri="{FF2B5EF4-FFF2-40B4-BE49-F238E27FC236}">
+                  <a16:creationId xmlns:a16="http://schemas.microsoft.com/office/drawing/2014/main" id="{3B72717A-2B0A-4D0E-B6EB-787FDCD39CEB}"/>
+                </a:ext>
+              </a:extLst>
+            </p:cNvPr>
+            <p:cNvSpPr/>
+            <p:nvPr/>
+          </p:nvSpPr>
+          <p:spPr>
+            <a:xfrm>
+              <a:off x="1482913" y="655426"/>
+              <a:ext cx="1800000" cy="1800000"/>
+            </a:xfrm>
+            <a:prstGeom prst="ellipse">
+              <a:avLst/>
+            </a:prstGeom>
+            <a:ln w="38100"/>
+          </p:spPr>
+          <p:style>
+            <a:lnRef idx="2">
+              <a:schemeClr val="dk1"/>
+            </a:lnRef>
+            <a:fillRef idx="1">
+              <a:schemeClr val="lt1"/>
+            </a:fillRef>
+            <a:effectRef idx="0">
+              <a:schemeClr val="dk1"/>
+            </a:effectRef>
+            <a:fontRef idx="minor">
+              <a:schemeClr val="dk1"/>
+            </a:fontRef>
+          </p:style>
+          <p:txBody>
+            <a:bodyPr rtlCol="0" anchor="ctr"/>
+            <a:lstStyle/>
+            <a:p>
+              <a:pPr algn="ctr"/>
+              <a:r>
+                <a:rPr lang="en-US" b="1" dirty="0"/>
+                <a:t>Childhood Lead Exposure</a:t>
+              </a:r>
+            </a:p>
+            <a:p>
+              <a:pPr algn="ctr"/>
+              <a:endParaRPr lang="en-US" sz="1550" dirty="0"/>
+            </a:p>
+          </p:txBody>
+        </p:sp>
+        <p:sp>
+          <p:nvSpPr>
+            <p:cNvPr id="105" name="Oval 104">
+              <a:extLst>
+                <a:ext uri="{FF2B5EF4-FFF2-40B4-BE49-F238E27FC236}">
+                  <a16:creationId xmlns:a16="http://schemas.microsoft.com/office/drawing/2014/main" id="{3F4739E5-740C-5EE1-7964-DE0B03235C0C}"/>
+                </a:ext>
+              </a:extLst>
+            </p:cNvPr>
+            <p:cNvSpPr/>
+            <p:nvPr/>
+          </p:nvSpPr>
+          <p:spPr>
+            <a:xfrm>
+              <a:off x="7753055" y="655426"/>
+              <a:ext cx="1800000" cy="1800000"/>
+            </a:xfrm>
+            <a:prstGeom prst="ellipse">
+              <a:avLst/>
+            </a:prstGeom>
+            <a:ln w="38100"/>
+          </p:spPr>
+          <p:style>
+            <a:lnRef idx="2">
+              <a:schemeClr val="dk1"/>
+            </a:lnRef>
+            <a:fillRef idx="1">
+              <a:schemeClr val="lt1"/>
+            </a:fillRef>
+            <a:effectRef idx="0">
+              <a:schemeClr val="dk1"/>
+            </a:effectRef>
+            <a:fontRef idx="minor">
+              <a:schemeClr val="dk1"/>
+            </a:fontRef>
+          </p:style>
+          <p:txBody>
+            <a:bodyPr rtlCol="0" anchor="ctr"/>
+            <a:lstStyle/>
+            <a:p>
+              <a:pPr algn="ctr"/>
+              <a:r>
+                <a:rPr lang="en-US" dirty="0"/>
+                <a:t>Adult Lead Exposure</a:t>
+              </a:r>
+            </a:p>
+          </p:txBody>
+        </p:sp>
+        <p:cxnSp>
+          <p:nvCxnSpPr>
+            <p:cNvPr id="111" name="Straight Arrow Connector 110">
+              <a:extLst>
+                <a:ext uri="{FF2B5EF4-FFF2-40B4-BE49-F238E27FC236}">
+                  <a16:creationId xmlns:a16="http://schemas.microsoft.com/office/drawing/2014/main" id="{9F36405B-2838-B0ED-8F90-CD55AE5BACFB}"/>
+                </a:ext>
+              </a:extLst>
+            </p:cNvPr>
+            <p:cNvCxnSpPr>
+              <a:cxnSpLocks/>
+              <a:stCxn id="104" idx="4"/>
+              <a:endCxn id="5" idx="0"/>
+            </p:cNvCxnSpPr>
+            <p:nvPr/>
+          </p:nvCxnSpPr>
+          <p:spPr>
+            <a:xfrm>
+              <a:off x="2382913" y="2455426"/>
+              <a:ext cx="0" cy="1513478"/>
+            </a:xfrm>
+            <a:prstGeom prst="straightConnector1">
+              <a:avLst/>
+            </a:prstGeom>
+            <a:ln w="38100">
+              <a:solidFill>
+                <a:schemeClr val="tx1"/>
+              </a:solidFill>
+              <a:prstDash val="sysDot"/>
+              <a:tailEnd type="triangle"/>
+            </a:ln>
+          </p:spPr>
+          <p:style>
+            <a:lnRef idx="1">
+              <a:schemeClr val="dk1"/>
+            </a:lnRef>
+            <a:fillRef idx="0">
+              <a:schemeClr val="dk1"/>
+            </a:fillRef>
+            <a:effectRef idx="0">
+              <a:schemeClr val="dk1"/>
+            </a:effectRef>
+            <a:fontRef idx="minor">
+              <a:schemeClr val="tx1"/>
+            </a:fontRef>
+          </p:style>
+        </p:cxnSp>
+      </p:grpSp>
+      <p:sp>
+        <p:nvSpPr>
+          <p:cNvPr id="35" name="Oval 34">
+            <a:extLst>
+              <a:ext uri="{FF2B5EF4-FFF2-40B4-BE49-F238E27FC236}">
+                <a16:creationId xmlns:a16="http://schemas.microsoft.com/office/drawing/2014/main" id="{1D14F97D-4A5A-C40F-2B58-01E7163EF241}"/>
+              </a:ext>
+            </a:extLst>
+          </p:cNvPr>
+          <p:cNvSpPr/>
+          <p:nvPr/>
+        </p:nvSpPr>
+        <p:spPr>
+          <a:xfrm>
+            <a:off x="7881071" y="4139631"/>
+            <a:ext cx="1800000" cy="1800000"/>
+          </a:xfrm>
+          <a:prstGeom prst="ellipse">
+            <a:avLst/>
+          </a:prstGeom>
+          <a:ln w="38100">
+            <a:solidFill>
+              <a:schemeClr val="tx1"/>
+            </a:solidFill>
+          </a:ln>
+        </p:spPr>
+        <p:style>
+          <a:lnRef idx="2">
+            <a:schemeClr val="dk1"/>
+          </a:lnRef>
+          <a:fillRef idx="1">
+            <a:schemeClr val="lt1"/>
+          </a:fillRef>
+          <a:effectRef idx="0">
+            <a:schemeClr val="dk1"/>
+          </a:effectRef>
+          <a:fontRef idx="minor">
+            <a:schemeClr val="dk1"/>
+          </a:fontRef>
+        </p:style>
+        <p:txBody>
+          <a:bodyPr rtlCol="0" anchor="ctr"/>
+          <a:lstStyle/>
+          <a:p>
+            <a:pPr algn="ctr"/>
+            <a:r>
+              <a:rPr lang="en-US" b="1" dirty="0"/>
+              <a:t>Adult Subjective</a:t>
+            </a:r>
+          </a:p>
+          <a:p>
+            <a:pPr algn="ctr"/>
+            <a:r>
+              <a:rPr lang="en-US" b="1" dirty="0"/>
+              <a:t>Wellbeing</a:t>
+            </a:r>
+          </a:p>
+        </p:txBody>
+      </p:sp>
+      <p:cxnSp>
+        <p:nvCxnSpPr>
+          <p:cNvPr id="39" name="Straight Arrow Connector 38">
+            <a:extLst>
+              <a:ext uri="{FF2B5EF4-FFF2-40B4-BE49-F238E27FC236}">
+                <a16:creationId xmlns:a16="http://schemas.microsoft.com/office/drawing/2014/main" id="{A767FB3B-92DB-884A-9924-50CE602EA2E8}"/>
+              </a:ext>
+            </a:extLst>
+          </p:cNvPr>
+          <p:cNvCxnSpPr>
+            <a:cxnSpLocks/>
+            <a:stCxn id="104" idx="5"/>
+            <a:endCxn id="35" idx="1"/>
+          </p:cNvCxnSpPr>
+          <p:nvPr/>
+        </p:nvCxnSpPr>
+        <p:spPr>
+          <a:xfrm>
+            <a:off x="3147325" y="2362549"/>
+            <a:ext cx="4997350" cy="2040686"/>
+          </a:xfrm>
+          <a:prstGeom prst="straightConnector1">
+            <a:avLst/>
+          </a:prstGeom>
+          <a:ln w="63500">
+            <a:solidFill>
+              <a:schemeClr val="tx1"/>
+            </a:solidFill>
+            <a:tailEnd type="triangle"/>
+          </a:ln>
+        </p:spPr>
+        <p:style>
+          <a:lnRef idx="1">
+            <a:schemeClr val="dk1"/>
+          </a:lnRef>
+          <a:fillRef idx="0">
+            <a:schemeClr val="dk1"/>
+          </a:fillRef>
+          <a:effectRef idx="0">
+            <a:schemeClr val="dk1"/>
+          </a:effectRef>
+          <a:fontRef idx="minor">
+            <a:schemeClr val="tx1"/>
+          </a:fontRef>
+        </p:style>
+      </p:cxnSp>
+      <p:cxnSp>
+        <p:nvCxnSpPr>
+          <p:cNvPr id="44" name="Straight Arrow Connector 43">
+            <a:extLst>
+              <a:ext uri="{FF2B5EF4-FFF2-40B4-BE49-F238E27FC236}">
+                <a16:creationId xmlns:a16="http://schemas.microsoft.com/office/drawing/2014/main" id="{A604E42D-8314-0146-EC4E-50F4BB9030C9}"/>
+              </a:ext>
+            </a:extLst>
+          </p:cNvPr>
+          <p:cNvCxnSpPr>
+            <a:cxnSpLocks/>
+            <a:stCxn id="105" idx="4"/>
+            <a:endCxn id="35" idx="0"/>
+          </p:cNvCxnSpPr>
+          <p:nvPr/>
+        </p:nvCxnSpPr>
+        <p:spPr>
+          <a:xfrm>
+            <a:off x="8781071" y="2626153"/>
+            <a:ext cx="0" cy="1513478"/>
+          </a:xfrm>
+          <a:prstGeom prst="straightConnector1">
+            <a:avLst/>
+          </a:prstGeom>
+          <a:ln w="38100">
+            <a:solidFill>
+              <a:schemeClr val="tx1"/>
+            </a:solidFill>
+            <a:prstDash val="sysDot"/>
+            <a:tailEnd type="triangle"/>
+          </a:ln>
+        </p:spPr>
+        <p:style>
+          <a:lnRef idx="1">
+            <a:schemeClr val="dk1"/>
+          </a:lnRef>
+          <a:fillRef idx="0">
+            <a:schemeClr val="dk1"/>
+          </a:fillRef>
+          <a:effectRef idx="0">
+            <a:schemeClr val="dk1"/>
+          </a:effectRef>
+          <a:fontRef idx="minor">
+            <a:schemeClr val="tx1"/>
+          </a:fontRef>
+        </p:style>
+      </p:cxnSp>
+      <p:sp>
+        <p:nvSpPr>
+          <p:cNvPr id="19" name="Rectangle 18">
+            <a:extLst>
+              <a:ext uri="{FF2B5EF4-FFF2-40B4-BE49-F238E27FC236}">
+                <a16:creationId xmlns:a16="http://schemas.microsoft.com/office/drawing/2014/main" id="{38857C37-4B42-44BE-2547-5DE0086D36BF}"/>
+              </a:ext>
+            </a:extLst>
+          </p:cNvPr>
+          <p:cNvSpPr/>
+          <p:nvPr/>
+        </p:nvSpPr>
+        <p:spPr>
+          <a:xfrm>
+            <a:off x="6913222" y="3059724"/>
+            <a:ext cx="1935698" cy="646331"/>
+          </a:xfrm>
+          <a:prstGeom prst="rect">
+            <a:avLst/>
+          </a:prstGeom>
+        </p:spPr>
+        <p:txBody>
+          <a:bodyPr wrap="square">
+            <a:spAutoFit/>
+          </a:bodyPr>
+          <a:lstStyle/>
+          <a:p>
+            <a:pPr algn="ctr"/>
+            <a:r>
+              <a:rPr lang="en-US" b="1" dirty="0"/>
+              <a:t>C. </a:t>
+            </a:r>
+            <a:r>
+              <a:rPr lang="en-US" dirty="0"/>
+              <a:t>Evidence exists, but no analysis</a:t>
+            </a:r>
+          </a:p>
+        </p:txBody>
+      </p:sp>
+      <p:sp>
+        <p:nvSpPr>
+          <p:cNvPr id="20" name="Rectangle 19">
+            <a:extLst>
+              <a:ext uri="{FF2B5EF4-FFF2-40B4-BE49-F238E27FC236}">
+                <a16:creationId xmlns:a16="http://schemas.microsoft.com/office/drawing/2014/main" id="{D100FCE4-4112-2B3F-3DE3-053095541BE9}"/>
+              </a:ext>
+            </a:extLst>
+          </p:cNvPr>
+          <p:cNvSpPr/>
+          <p:nvPr/>
+        </p:nvSpPr>
+        <p:spPr>
+          <a:xfrm>
+            <a:off x="1419230" y="3059725"/>
+            <a:ext cx="1067113" cy="646331"/>
+          </a:xfrm>
+          <a:prstGeom prst="rect">
+            <a:avLst/>
+          </a:prstGeom>
+        </p:spPr>
+        <p:txBody>
+          <a:bodyPr wrap="square">
+            <a:spAutoFit/>
+          </a:bodyPr>
+          <a:lstStyle/>
+          <a:p>
+            <a:pPr algn="ctr"/>
+            <a:r>
+              <a:rPr lang="en-US" b="1" dirty="0"/>
+              <a:t>A. </a:t>
+            </a:r>
+            <a:r>
+              <a:rPr lang="en-US" dirty="0"/>
+              <a:t>No evidence</a:t>
+            </a:r>
+          </a:p>
+        </p:txBody>
+      </p:sp>
+      <p:sp>
+        <p:nvSpPr>
+          <p:cNvPr id="50" name="Rectangle 49">
+            <a:extLst>
+              <a:ext uri="{FF2B5EF4-FFF2-40B4-BE49-F238E27FC236}">
+                <a16:creationId xmlns:a16="http://schemas.microsoft.com/office/drawing/2014/main" id="{CB3D5BF0-934F-650E-BC5A-704B3BAF087B}"/>
+              </a:ext>
+            </a:extLst>
+          </p:cNvPr>
+          <p:cNvSpPr/>
+          <p:nvPr/>
+        </p:nvSpPr>
+        <p:spPr>
+          <a:xfrm>
+            <a:off x="3875918" y="3059724"/>
+            <a:ext cx="1067113" cy="646331"/>
+          </a:xfrm>
+          <a:prstGeom prst="rect">
+            <a:avLst/>
+          </a:prstGeom>
+        </p:spPr>
+        <p:txBody>
+          <a:bodyPr wrap="square">
+            <a:spAutoFit/>
+          </a:bodyPr>
+          <a:lstStyle/>
+          <a:p>
+            <a:pPr algn="ctr"/>
+            <a:r>
+              <a:rPr lang="en-US" b="1" dirty="0"/>
+              <a:t>B. Four studies</a:t>
+            </a:r>
+            <a:endParaRPr lang="en-US" dirty="0"/>
+          </a:p>
+        </p:txBody>
+      </p:sp>
+    </p:spTree>
+    <p:extLst>
+      <p:ext uri="{BB962C8B-B14F-4D97-AF65-F5344CB8AC3E}">
+        <p14:creationId xmlns:p14="http://schemas.microsoft.com/office/powerpoint/2010/main" val="4239878614"/>
+      </p:ext>
+    </p:extLst>
+  </p:cSld>
+  <p:clrMapOvr>
+    <a:masterClrMapping/>
+  </p:clrMapOvr>
+</p:sld>
+</file>
+
 <file path=ppt/theme/theme1.xml><?xml version="1.0" encoding="utf-8"?>
 <a:theme xmlns:a="http://schemas.openxmlformats.org/drawingml/2006/main" name="Office Theme">
   <a:themeElements>

--- a/causalgraphs.pptx
+++ b/causalgraphs.pptx
@@ -244,7 +244,7 @@
           <a:p>
             <a:fld id="{0242246C-62F8-8D41-AE20-12536F7DA5C0}" type="datetimeFigureOut">
               <a:rPr lang="en-US" smtClean="0"/>
-              <a:t>4/29/22</a:t>
+              <a:t>4/30/22</a:t>
             </a:fld>
             <a:endParaRPr lang="en-US"/>
           </a:p>
@@ -414,7 +414,7 @@
           <a:p>
             <a:fld id="{0242246C-62F8-8D41-AE20-12536F7DA5C0}" type="datetimeFigureOut">
               <a:rPr lang="en-US" smtClean="0"/>
-              <a:t>4/29/22</a:t>
+              <a:t>4/30/22</a:t>
             </a:fld>
             <a:endParaRPr lang="en-US"/>
           </a:p>
@@ -594,7 +594,7 @@
           <a:p>
             <a:fld id="{0242246C-62F8-8D41-AE20-12536F7DA5C0}" type="datetimeFigureOut">
               <a:rPr lang="en-US" smtClean="0"/>
-              <a:t>4/29/22</a:t>
+              <a:t>4/30/22</a:t>
             </a:fld>
             <a:endParaRPr lang="en-US"/>
           </a:p>
@@ -764,7 +764,7 @@
           <a:p>
             <a:fld id="{0242246C-62F8-8D41-AE20-12536F7DA5C0}" type="datetimeFigureOut">
               <a:rPr lang="en-US" smtClean="0"/>
-              <a:t>4/29/22</a:t>
+              <a:t>4/30/22</a:t>
             </a:fld>
             <a:endParaRPr lang="en-US"/>
           </a:p>
@@ -1008,7 +1008,7 @@
           <a:p>
             <a:fld id="{0242246C-62F8-8D41-AE20-12536F7DA5C0}" type="datetimeFigureOut">
               <a:rPr lang="en-US" smtClean="0"/>
-              <a:t>4/29/22</a:t>
+              <a:t>4/30/22</a:t>
             </a:fld>
             <a:endParaRPr lang="en-US"/>
           </a:p>
@@ -1240,7 +1240,7 @@
           <a:p>
             <a:fld id="{0242246C-62F8-8D41-AE20-12536F7DA5C0}" type="datetimeFigureOut">
               <a:rPr lang="en-US" smtClean="0"/>
-              <a:t>4/29/22</a:t>
+              <a:t>4/30/22</a:t>
             </a:fld>
             <a:endParaRPr lang="en-US"/>
           </a:p>
@@ -1607,7 +1607,7 @@
           <a:p>
             <a:fld id="{0242246C-62F8-8D41-AE20-12536F7DA5C0}" type="datetimeFigureOut">
               <a:rPr lang="en-US" smtClean="0"/>
-              <a:t>4/29/22</a:t>
+              <a:t>4/30/22</a:t>
             </a:fld>
             <a:endParaRPr lang="en-US"/>
           </a:p>
@@ -1725,7 +1725,7 @@
           <a:p>
             <a:fld id="{0242246C-62F8-8D41-AE20-12536F7DA5C0}" type="datetimeFigureOut">
               <a:rPr lang="en-US" smtClean="0"/>
-              <a:t>4/29/22</a:t>
+              <a:t>4/30/22</a:t>
             </a:fld>
             <a:endParaRPr lang="en-US"/>
           </a:p>
@@ -1820,7 +1820,7 @@
           <a:p>
             <a:fld id="{0242246C-62F8-8D41-AE20-12536F7DA5C0}" type="datetimeFigureOut">
               <a:rPr lang="en-US" smtClean="0"/>
-              <a:t>4/29/22</a:t>
+              <a:t>4/30/22</a:t>
             </a:fld>
             <a:endParaRPr lang="en-US"/>
           </a:p>
@@ -2097,7 +2097,7 @@
           <a:p>
             <a:fld id="{0242246C-62F8-8D41-AE20-12536F7DA5C0}" type="datetimeFigureOut">
               <a:rPr lang="en-US" smtClean="0"/>
-              <a:t>4/29/22</a:t>
+              <a:t>4/30/22</a:t>
             </a:fld>
             <a:endParaRPr lang="en-US"/>
           </a:p>
@@ -2354,7 +2354,7 @@
           <a:p>
             <a:fld id="{0242246C-62F8-8D41-AE20-12536F7DA5C0}" type="datetimeFigureOut">
               <a:rPr lang="en-US" smtClean="0"/>
-              <a:t>4/29/22</a:t>
+              <a:t>4/30/22</a:t>
             </a:fld>
             <a:endParaRPr lang="en-US"/>
           </a:p>
@@ -2567,7 +2567,7 @@
           <a:p>
             <a:fld id="{0242246C-62F8-8D41-AE20-12536F7DA5C0}" type="datetimeFigureOut">
               <a:rPr lang="en-US" smtClean="0"/>
-              <a:t>4/29/22</a:t>
+              <a:t>4/30/22</a:t>
             </a:fld>
             <a:endParaRPr lang="en-US"/>
           </a:p>
@@ -4449,10 +4449,10 @@
       </p:grpSpPr>
       <p:grpSp>
         <p:nvGrpSpPr>
-          <p:cNvPr id="23" name="Group 22">
+          <p:cNvPr id="2" name="Group 1">
             <a:extLst>
               <a:ext uri="{FF2B5EF4-FFF2-40B4-BE49-F238E27FC236}">
-                <a16:creationId xmlns:a16="http://schemas.microsoft.com/office/drawing/2014/main" id="{844AD0BC-0A26-41EB-53C8-B85FAF6795A0}"/>
+                <a16:creationId xmlns:a16="http://schemas.microsoft.com/office/drawing/2014/main" id="{C4438789-075C-3DC8-12BB-04AD3F155BC7}"/>
               </a:ext>
             </a:extLst>
           </p:cNvPr>
@@ -4461,18 +4461,292 @@
         </p:nvGrpSpPr>
         <p:grpSpPr>
           <a:xfrm>
-            <a:off x="1610929" y="826153"/>
-            <a:ext cx="8070142" cy="5113478"/>
-            <a:chOff x="1482913" y="655426"/>
-            <a:chExt cx="8070142" cy="5113478"/>
+            <a:off x="1419230" y="826153"/>
+            <a:ext cx="8261841" cy="5113478"/>
+            <a:chOff x="1419230" y="826153"/>
+            <a:chExt cx="8261841" cy="5113478"/>
           </a:xfrm>
         </p:grpSpPr>
+        <p:grpSp>
+          <p:nvGrpSpPr>
+            <p:cNvPr id="23" name="Group 22">
+              <a:extLst>
+                <a:ext uri="{FF2B5EF4-FFF2-40B4-BE49-F238E27FC236}">
+                  <a16:creationId xmlns:a16="http://schemas.microsoft.com/office/drawing/2014/main" id="{844AD0BC-0A26-41EB-53C8-B85FAF6795A0}"/>
+                </a:ext>
+              </a:extLst>
+            </p:cNvPr>
+            <p:cNvGrpSpPr/>
+            <p:nvPr/>
+          </p:nvGrpSpPr>
+          <p:grpSpPr>
+            <a:xfrm>
+              <a:off x="1610929" y="826153"/>
+              <a:ext cx="8070142" cy="5113478"/>
+              <a:chOff x="1482913" y="655426"/>
+              <a:chExt cx="8070142" cy="5113478"/>
+            </a:xfrm>
+          </p:grpSpPr>
+          <p:sp>
+            <p:nvSpPr>
+              <p:cNvPr id="5" name="Oval 4">
+                <a:extLst>
+                  <a:ext uri="{FF2B5EF4-FFF2-40B4-BE49-F238E27FC236}">
+                    <a16:creationId xmlns:a16="http://schemas.microsoft.com/office/drawing/2014/main" id="{AC569348-CC3A-E14B-BC2F-E1E320D46D14}"/>
+                  </a:ext>
+                </a:extLst>
+              </p:cNvPr>
+              <p:cNvSpPr/>
+              <p:nvPr/>
+            </p:nvSpPr>
+            <p:spPr>
+              <a:xfrm>
+                <a:off x="1482913" y="3968904"/>
+                <a:ext cx="1800000" cy="1800000"/>
+              </a:xfrm>
+              <a:prstGeom prst="ellipse">
+                <a:avLst/>
+              </a:prstGeom>
+              <a:ln w="38100">
+                <a:solidFill>
+                  <a:schemeClr val="tx1"/>
+                </a:solidFill>
+              </a:ln>
+            </p:spPr>
+            <p:style>
+              <a:lnRef idx="2">
+                <a:schemeClr val="dk1"/>
+              </a:lnRef>
+              <a:fillRef idx="1">
+                <a:schemeClr val="lt1"/>
+              </a:fillRef>
+              <a:effectRef idx="0">
+                <a:schemeClr val="dk1"/>
+              </a:effectRef>
+              <a:fontRef idx="minor">
+                <a:schemeClr val="dk1"/>
+              </a:fontRef>
+            </p:style>
+            <p:txBody>
+              <a:bodyPr rtlCol="0" anchor="ctr"/>
+              <a:lstStyle/>
+              <a:p>
+                <a:pPr algn="ctr"/>
+                <a:r>
+                  <a:rPr lang="en-US" dirty="0"/>
+                  <a:t>Childhood Subjective</a:t>
+                </a:r>
+              </a:p>
+              <a:p>
+                <a:pPr algn="ctr"/>
+                <a:r>
+                  <a:rPr lang="en-US" dirty="0"/>
+                  <a:t>Wellbeing</a:t>
+                </a:r>
+              </a:p>
+            </p:txBody>
+          </p:sp>
+          <p:cxnSp>
+            <p:nvCxnSpPr>
+              <p:cNvPr id="58" name="Straight Arrow Connector 57">
+                <a:extLst>
+                  <a:ext uri="{FF2B5EF4-FFF2-40B4-BE49-F238E27FC236}">
+                    <a16:creationId xmlns:a16="http://schemas.microsoft.com/office/drawing/2014/main" id="{4BA2BBBF-4440-6F47-A569-2F27702655C7}"/>
+                  </a:ext>
+                </a:extLst>
+              </p:cNvPr>
+              <p:cNvCxnSpPr>
+                <a:cxnSpLocks/>
+                <a:stCxn id="104" idx="6"/>
+                <a:endCxn id="105" idx="2"/>
+              </p:cNvCxnSpPr>
+              <p:nvPr/>
+            </p:nvCxnSpPr>
+            <p:spPr>
+              <a:xfrm>
+                <a:off x="3282913" y="1555426"/>
+                <a:ext cx="4470142" cy="0"/>
+              </a:xfrm>
+              <a:prstGeom prst="straightConnector1">
+                <a:avLst/>
+              </a:prstGeom>
+              <a:ln w="38100">
+                <a:solidFill>
+                  <a:schemeClr val="tx1"/>
+                </a:solidFill>
+                <a:prstDash val="sysDot"/>
+                <a:tailEnd type="triangle"/>
+              </a:ln>
+            </p:spPr>
+            <p:style>
+              <a:lnRef idx="1">
+                <a:schemeClr val="dk1"/>
+              </a:lnRef>
+              <a:fillRef idx="0">
+                <a:schemeClr val="dk1"/>
+              </a:fillRef>
+              <a:effectRef idx="0">
+                <a:schemeClr val="dk1"/>
+              </a:effectRef>
+              <a:fontRef idx="minor">
+                <a:schemeClr val="tx1"/>
+              </a:fontRef>
+            </p:style>
+          </p:cxnSp>
+          <p:sp>
+            <p:nvSpPr>
+              <p:cNvPr id="104" name="Oval 103">
+                <a:extLst>
+                  <a:ext uri="{FF2B5EF4-FFF2-40B4-BE49-F238E27FC236}">
+                    <a16:creationId xmlns:a16="http://schemas.microsoft.com/office/drawing/2014/main" id="{3B72717A-2B0A-4D0E-B6EB-787FDCD39CEB}"/>
+                  </a:ext>
+                </a:extLst>
+              </p:cNvPr>
+              <p:cNvSpPr/>
+              <p:nvPr/>
+            </p:nvSpPr>
+            <p:spPr>
+              <a:xfrm>
+                <a:off x="1482913" y="655426"/>
+                <a:ext cx="1800000" cy="1800000"/>
+              </a:xfrm>
+              <a:prstGeom prst="ellipse">
+                <a:avLst/>
+              </a:prstGeom>
+              <a:ln w="38100"/>
+            </p:spPr>
+            <p:style>
+              <a:lnRef idx="2">
+                <a:schemeClr val="dk1"/>
+              </a:lnRef>
+              <a:fillRef idx="1">
+                <a:schemeClr val="lt1"/>
+              </a:fillRef>
+              <a:effectRef idx="0">
+                <a:schemeClr val="dk1"/>
+              </a:effectRef>
+              <a:fontRef idx="minor">
+                <a:schemeClr val="dk1"/>
+              </a:fontRef>
+            </p:style>
+            <p:txBody>
+              <a:bodyPr rtlCol="0" anchor="ctr"/>
+              <a:lstStyle/>
+              <a:p>
+                <a:pPr algn="ctr"/>
+                <a:r>
+                  <a:rPr lang="en-US" b="1" dirty="0"/>
+                  <a:t>Childhood Lead Exposure</a:t>
+                </a:r>
+              </a:p>
+              <a:p>
+                <a:pPr algn="ctr"/>
+                <a:endParaRPr lang="en-US" sz="1550" dirty="0"/>
+              </a:p>
+            </p:txBody>
+          </p:sp>
+          <p:sp>
+            <p:nvSpPr>
+              <p:cNvPr id="105" name="Oval 104">
+                <a:extLst>
+                  <a:ext uri="{FF2B5EF4-FFF2-40B4-BE49-F238E27FC236}">
+                    <a16:creationId xmlns:a16="http://schemas.microsoft.com/office/drawing/2014/main" id="{3F4739E5-740C-5EE1-7964-DE0B03235C0C}"/>
+                  </a:ext>
+                </a:extLst>
+              </p:cNvPr>
+              <p:cNvSpPr/>
+              <p:nvPr/>
+            </p:nvSpPr>
+            <p:spPr>
+              <a:xfrm>
+                <a:off x="7753055" y="655426"/>
+                <a:ext cx="1800000" cy="1800000"/>
+              </a:xfrm>
+              <a:prstGeom prst="ellipse">
+                <a:avLst/>
+              </a:prstGeom>
+              <a:ln w="38100"/>
+            </p:spPr>
+            <p:style>
+              <a:lnRef idx="2">
+                <a:schemeClr val="dk1"/>
+              </a:lnRef>
+              <a:fillRef idx="1">
+                <a:schemeClr val="lt1"/>
+              </a:fillRef>
+              <a:effectRef idx="0">
+                <a:schemeClr val="dk1"/>
+              </a:effectRef>
+              <a:fontRef idx="minor">
+                <a:schemeClr val="dk1"/>
+              </a:fontRef>
+            </p:style>
+            <p:txBody>
+              <a:bodyPr rtlCol="0" anchor="ctr"/>
+              <a:lstStyle/>
+              <a:p>
+                <a:pPr algn="ctr"/>
+                <a:r>
+                  <a:rPr lang="en-US" dirty="0"/>
+                  <a:t>Adult Lead Exposure</a:t>
+                </a:r>
+              </a:p>
+            </p:txBody>
+          </p:sp>
+          <p:cxnSp>
+            <p:nvCxnSpPr>
+              <p:cNvPr id="111" name="Straight Arrow Connector 110">
+                <a:extLst>
+                  <a:ext uri="{FF2B5EF4-FFF2-40B4-BE49-F238E27FC236}">
+                    <a16:creationId xmlns:a16="http://schemas.microsoft.com/office/drawing/2014/main" id="{9F36405B-2838-B0ED-8F90-CD55AE5BACFB}"/>
+                  </a:ext>
+                </a:extLst>
+              </p:cNvPr>
+              <p:cNvCxnSpPr>
+                <a:cxnSpLocks/>
+                <a:stCxn id="104" idx="4"/>
+                <a:endCxn id="5" idx="0"/>
+              </p:cNvCxnSpPr>
+              <p:nvPr/>
+            </p:nvCxnSpPr>
+            <p:spPr>
+              <a:xfrm>
+                <a:off x="2382913" y="2455426"/>
+                <a:ext cx="0" cy="1513478"/>
+              </a:xfrm>
+              <a:prstGeom prst="straightConnector1">
+                <a:avLst/>
+              </a:prstGeom>
+              <a:ln w="38100">
+                <a:solidFill>
+                  <a:schemeClr val="tx1"/>
+                </a:solidFill>
+                <a:prstDash val="sysDot"/>
+                <a:tailEnd type="triangle"/>
+              </a:ln>
+            </p:spPr>
+            <p:style>
+              <a:lnRef idx="1">
+                <a:schemeClr val="dk1"/>
+              </a:lnRef>
+              <a:fillRef idx="0">
+                <a:schemeClr val="dk1"/>
+              </a:fillRef>
+              <a:effectRef idx="0">
+                <a:schemeClr val="dk1"/>
+              </a:effectRef>
+              <a:fontRef idx="minor">
+                <a:schemeClr val="tx1"/>
+              </a:fontRef>
+            </p:style>
+          </p:cxnSp>
+        </p:grpSp>
         <p:sp>
           <p:nvSpPr>
-            <p:cNvPr id="5" name="Oval 4">
+            <p:cNvPr id="35" name="Oval 34">
               <a:extLst>
                 <a:ext uri="{FF2B5EF4-FFF2-40B4-BE49-F238E27FC236}">
-                  <a16:creationId xmlns:a16="http://schemas.microsoft.com/office/drawing/2014/main" id="{AC569348-CC3A-E14B-BC2F-E1E320D46D14}"/>
+                  <a16:creationId xmlns:a16="http://schemas.microsoft.com/office/drawing/2014/main" id="{1D14F97D-4A5A-C40F-2B58-01E7163EF241}"/>
                 </a:ext>
               </a:extLst>
             </p:cNvPr>
@@ -4481,7 +4755,7 @@
           </p:nvSpPr>
           <p:spPr>
             <a:xfrm>
-              <a:off x="1482913" y="3968904"/>
+              <a:off x="7881071" y="4139631"/>
               <a:ext cx="1800000" cy="1800000"/>
             </a:xfrm>
             <a:prstGeom prst="ellipse">
@@ -4513,14 +4787,14 @@
             <a:p>
               <a:pPr algn="ctr"/>
               <a:r>
-                <a:rPr lang="en-US" dirty="0"/>
-                <a:t>Childhood Subjective</a:t>
+                <a:rPr lang="en-US" b="1" dirty="0"/>
+                <a:t>Adult Subjective</a:t>
               </a:r>
             </a:p>
             <a:p>
               <a:pPr algn="ctr"/>
               <a:r>
-                <a:rPr lang="en-US" dirty="0"/>
+                <a:rPr lang="en-US" b="1" dirty="0"/>
                 <a:t>Wellbeing</a:t>
               </a:r>
             </a:p>
@@ -4528,33 +4802,32 @@
         </p:sp>
         <p:cxnSp>
           <p:nvCxnSpPr>
-            <p:cNvPr id="58" name="Straight Arrow Connector 57">
+            <p:cNvPr id="39" name="Straight Arrow Connector 38">
               <a:extLst>
                 <a:ext uri="{FF2B5EF4-FFF2-40B4-BE49-F238E27FC236}">
-                  <a16:creationId xmlns:a16="http://schemas.microsoft.com/office/drawing/2014/main" id="{4BA2BBBF-4440-6F47-A569-2F27702655C7}"/>
+                  <a16:creationId xmlns:a16="http://schemas.microsoft.com/office/drawing/2014/main" id="{A767FB3B-92DB-884A-9924-50CE602EA2E8}"/>
                 </a:ext>
               </a:extLst>
             </p:cNvPr>
             <p:cNvCxnSpPr>
               <a:cxnSpLocks/>
-              <a:stCxn id="104" idx="6"/>
-              <a:endCxn id="105" idx="2"/>
+              <a:stCxn id="104" idx="5"/>
+              <a:endCxn id="35" idx="1"/>
             </p:cNvCxnSpPr>
             <p:nvPr/>
           </p:nvCxnSpPr>
           <p:spPr>
             <a:xfrm>
-              <a:off x="3282913" y="1555426"/>
-              <a:ext cx="4470142" cy="0"/>
+              <a:off x="3147325" y="2362549"/>
+              <a:ext cx="4997350" cy="2040686"/>
             </a:xfrm>
             <a:prstGeom prst="straightConnector1">
               <a:avLst/>
             </a:prstGeom>
-            <a:ln w="38100">
+            <a:ln w="63500">
               <a:solidFill>
                 <a:schemeClr val="tx1"/>
               </a:solidFill>
-              <a:prstDash val="sysDot"/>
               <a:tailEnd type="triangle"/>
             </a:ln>
           </p:spPr>
@@ -4573,125 +4846,25 @@
             </a:fontRef>
           </p:style>
         </p:cxnSp>
-        <p:sp>
-          <p:nvSpPr>
-            <p:cNvPr id="104" name="Oval 103">
+        <p:cxnSp>
+          <p:nvCxnSpPr>
+            <p:cNvPr id="44" name="Straight Arrow Connector 43">
               <a:extLst>
                 <a:ext uri="{FF2B5EF4-FFF2-40B4-BE49-F238E27FC236}">
-                  <a16:creationId xmlns:a16="http://schemas.microsoft.com/office/drawing/2014/main" id="{3B72717A-2B0A-4D0E-B6EB-787FDCD39CEB}"/>
-                </a:ext>
-              </a:extLst>
-            </p:cNvPr>
-            <p:cNvSpPr/>
-            <p:nvPr/>
-          </p:nvSpPr>
-          <p:spPr>
-            <a:xfrm>
-              <a:off x="1482913" y="655426"/>
-              <a:ext cx="1800000" cy="1800000"/>
-            </a:xfrm>
-            <a:prstGeom prst="ellipse">
-              <a:avLst/>
-            </a:prstGeom>
-            <a:ln w="38100"/>
-          </p:spPr>
-          <p:style>
-            <a:lnRef idx="2">
-              <a:schemeClr val="dk1"/>
-            </a:lnRef>
-            <a:fillRef idx="1">
-              <a:schemeClr val="lt1"/>
-            </a:fillRef>
-            <a:effectRef idx="0">
-              <a:schemeClr val="dk1"/>
-            </a:effectRef>
-            <a:fontRef idx="minor">
-              <a:schemeClr val="dk1"/>
-            </a:fontRef>
-          </p:style>
-          <p:txBody>
-            <a:bodyPr rtlCol="0" anchor="ctr"/>
-            <a:lstStyle/>
-            <a:p>
-              <a:pPr algn="ctr"/>
-              <a:r>
-                <a:rPr lang="en-US" b="1" dirty="0"/>
-                <a:t>Childhood Lead Exposure</a:t>
-              </a:r>
-            </a:p>
-            <a:p>
-              <a:pPr algn="ctr"/>
-              <a:endParaRPr lang="en-US" sz="1550" dirty="0"/>
-            </a:p>
-          </p:txBody>
-        </p:sp>
-        <p:sp>
-          <p:nvSpPr>
-            <p:cNvPr id="105" name="Oval 104">
-              <a:extLst>
-                <a:ext uri="{FF2B5EF4-FFF2-40B4-BE49-F238E27FC236}">
-                  <a16:creationId xmlns:a16="http://schemas.microsoft.com/office/drawing/2014/main" id="{3F4739E5-740C-5EE1-7964-DE0B03235C0C}"/>
-                </a:ext>
-              </a:extLst>
-            </p:cNvPr>
-            <p:cNvSpPr/>
-            <p:nvPr/>
-          </p:nvSpPr>
-          <p:spPr>
-            <a:xfrm>
-              <a:off x="7753055" y="655426"/>
-              <a:ext cx="1800000" cy="1800000"/>
-            </a:xfrm>
-            <a:prstGeom prst="ellipse">
-              <a:avLst/>
-            </a:prstGeom>
-            <a:ln w="38100"/>
-          </p:spPr>
-          <p:style>
-            <a:lnRef idx="2">
-              <a:schemeClr val="dk1"/>
-            </a:lnRef>
-            <a:fillRef idx="1">
-              <a:schemeClr val="lt1"/>
-            </a:fillRef>
-            <a:effectRef idx="0">
-              <a:schemeClr val="dk1"/>
-            </a:effectRef>
-            <a:fontRef idx="minor">
-              <a:schemeClr val="dk1"/>
-            </a:fontRef>
-          </p:style>
-          <p:txBody>
-            <a:bodyPr rtlCol="0" anchor="ctr"/>
-            <a:lstStyle/>
-            <a:p>
-              <a:pPr algn="ctr"/>
-              <a:r>
-                <a:rPr lang="en-US" dirty="0"/>
-                <a:t>Adult Lead Exposure</a:t>
-              </a:r>
-            </a:p>
-          </p:txBody>
-        </p:sp>
-        <p:cxnSp>
-          <p:nvCxnSpPr>
-            <p:cNvPr id="111" name="Straight Arrow Connector 110">
-              <a:extLst>
-                <a:ext uri="{FF2B5EF4-FFF2-40B4-BE49-F238E27FC236}">
-                  <a16:creationId xmlns:a16="http://schemas.microsoft.com/office/drawing/2014/main" id="{9F36405B-2838-B0ED-8F90-CD55AE5BACFB}"/>
+                  <a16:creationId xmlns:a16="http://schemas.microsoft.com/office/drawing/2014/main" id="{A604E42D-8314-0146-EC4E-50F4BB9030C9}"/>
                 </a:ext>
               </a:extLst>
             </p:cNvPr>
             <p:cNvCxnSpPr>
               <a:cxnSpLocks/>
-              <a:stCxn id="104" idx="4"/>
-              <a:endCxn id="5" idx="0"/>
+              <a:stCxn id="105" idx="4"/>
+              <a:endCxn id="35" idx="0"/>
             </p:cNvCxnSpPr>
             <p:nvPr/>
           </p:nvCxnSpPr>
           <p:spPr>
             <a:xfrm>
-              <a:off x="2382913" y="2455426"/>
+              <a:off x="8781071" y="2626153"/>
               <a:ext cx="0" cy="1513478"/>
             </a:xfrm>
             <a:prstGeom prst="straightConnector1">
@@ -4720,273 +4893,121 @@
             </a:fontRef>
           </p:style>
         </p:cxnSp>
+        <p:sp>
+          <p:nvSpPr>
+            <p:cNvPr id="19" name="Rectangle 18">
+              <a:extLst>
+                <a:ext uri="{FF2B5EF4-FFF2-40B4-BE49-F238E27FC236}">
+                  <a16:creationId xmlns:a16="http://schemas.microsoft.com/office/drawing/2014/main" id="{38857C37-4B42-44BE-2547-5DE0086D36BF}"/>
+                </a:ext>
+              </a:extLst>
+            </p:cNvPr>
+            <p:cNvSpPr/>
+            <p:nvPr/>
+          </p:nvSpPr>
+          <p:spPr>
+            <a:xfrm>
+              <a:off x="6913222" y="3059724"/>
+              <a:ext cx="1935698" cy="646331"/>
+            </a:xfrm>
+            <a:prstGeom prst="rect">
+              <a:avLst/>
+            </a:prstGeom>
+          </p:spPr>
+          <p:txBody>
+            <a:bodyPr wrap="square">
+              <a:spAutoFit/>
+            </a:bodyPr>
+            <a:lstStyle/>
+            <a:p>
+              <a:pPr algn="ctr"/>
+              <a:r>
+                <a:rPr lang="en-US" b="1" dirty="0"/>
+                <a:t>C. </a:t>
+              </a:r>
+              <a:r>
+                <a:rPr lang="en-US" dirty="0"/>
+                <a:t>Evidence exists, but no analysis</a:t>
+              </a:r>
+            </a:p>
+          </p:txBody>
+        </p:sp>
+        <p:sp>
+          <p:nvSpPr>
+            <p:cNvPr id="20" name="Rectangle 19">
+              <a:extLst>
+                <a:ext uri="{FF2B5EF4-FFF2-40B4-BE49-F238E27FC236}">
+                  <a16:creationId xmlns:a16="http://schemas.microsoft.com/office/drawing/2014/main" id="{D100FCE4-4112-2B3F-3DE3-053095541BE9}"/>
+                </a:ext>
+              </a:extLst>
+            </p:cNvPr>
+            <p:cNvSpPr/>
+            <p:nvPr/>
+          </p:nvSpPr>
+          <p:spPr>
+            <a:xfrm>
+              <a:off x="1419230" y="3059725"/>
+              <a:ext cx="1067113" cy="646331"/>
+            </a:xfrm>
+            <a:prstGeom prst="rect">
+              <a:avLst/>
+            </a:prstGeom>
+          </p:spPr>
+          <p:txBody>
+            <a:bodyPr wrap="square">
+              <a:spAutoFit/>
+            </a:bodyPr>
+            <a:lstStyle/>
+            <a:p>
+              <a:pPr algn="ctr"/>
+              <a:r>
+                <a:rPr lang="en-US" b="1" dirty="0"/>
+                <a:t>A. </a:t>
+              </a:r>
+              <a:r>
+                <a:rPr lang="en-US" dirty="0"/>
+                <a:t>No evidence</a:t>
+              </a:r>
+            </a:p>
+          </p:txBody>
+        </p:sp>
+        <p:sp>
+          <p:nvSpPr>
+            <p:cNvPr id="50" name="Rectangle 49">
+              <a:extLst>
+                <a:ext uri="{FF2B5EF4-FFF2-40B4-BE49-F238E27FC236}">
+                  <a16:creationId xmlns:a16="http://schemas.microsoft.com/office/drawing/2014/main" id="{CB3D5BF0-934F-650E-BC5A-704B3BAF087B}"/>
+                </a:ext>
+              </a:extLst>
+            </p:cNvPr>
+            <p:cNvSpPr/>
+            <p:nvPr/>
+          </p:nvSpPr>
+          <p:spPr>
+            <a:xfrm>
+              <a:off x="3875918" y="3059724"/>
+              <a:ext cx="1067113" cy="646331"/>
+            </a:xfrm>
+            <a:prstGeom prst="rect">
+              <a:avLst/>
+            </a:prstGeom>
+          </p:spPr>
+          <p:txBody>
+            <a:bodyPr wrap="square">
+              <a:spAutoFit/>
+            </a:bodyPr>
+            <a:lstStyle/>
+            <a:p>
+              <a:pPr algn="ctr"/>
+              <a:r>
+                <a:rPr lang="en-US" b="1" dirty="0"/>
+                <a:t>B. Three studies</a:t>
+              </a:r>
+              <a:endParaRPr lang="en-US" dirty="0"/>
+            </a:p>
+          </p:txBody>
+        </p:sp>
       </p:grpSp>
-      <p:sp>
-        <p:nvSpPr>
-          <p:cNvPr id="35" name="Oval 34">
-            <a:extLst>
-              <a:ext uri="{FF2B5EF4-FFF2-40B4-BE49-F238E27FC236}">
-                <a16:creationId xmlns:a16="http://schemas.microsoft.com/office/drawing/2014/main" id="{1D14F97D-4A5A-C40F-2B58-01E7163EF241}"/>
-              </a:ext>
-            </a:extLst>
-          </p:cNvPr>
-          <p:cNvSpPr/>
-          <p:nvPr/>
-        </p:nvSpPr>
-        <p:spPr>
-          <a:xfrm>
-            <a:off x="7881071" y="4139631"/>
-            <a:ext cx="1800000" cy="1800000"/>
-          </a:xfrm>
-          <a:prstGeom prst="ellipse">
-            <a:avLst/>
-          </a:prstGeom>
-          <a:ln w="38100">
-            <a:solidFill>
-              <a:schemeClr val="tx1"/>
-            </a:solidFill>
-          </a:ln>
-        </p:spPr>
-        <p:style>
-          <a:lnRef idx="2">
-            <a:schemeClr val="dk1"/>
-          </a:lnRef>
-          <a:fillRef idx="1">
-            <a:schemeClr val="lt1"/>
-          </a:fillRef>
-          <a:effectRef idx="0">
-            <a:schemeClr val="dk1"/>
-          </a:effectRef>
-          <a:fontRef idx="minor">
-            <a:schemeClr val="dk1"/>
-          </a:fontRef>
-        </p:style>
-        <p:txBody>
-          <a:bodyPr rtlCol="0" anchor="ctr"/>
-          <a:lstStyle/>
-          <a:p>
-            <a:pPr algn="ctr"/>
-            <a:r>
-              <a:rPr lang="en-US" b="1" dirty="0"/>
-              <a:t>Adult Subjective</a:t>
-            </a:r>
-          </a:p>
-          <a:p>
-            <a:pPr algn="ctr"/>
-            <a:r>
-              <a:rPr lang="en-US" b="1" dirty="0"/>
-              <a:t>Wellbeing</a:t>
-            </a:r>
-          </a:p>
-        </p:txBody>
-      </p:sp>
-      <p:cxnSp>
-        <p:nvCxnSpPr>
-          <p:cNvPr id="39" name="Straight Arrow Connector 38">
-            <a:extLst>
-              <a:ext uri="{FF2B5EF4-FFF2-40B4-BE49-F238E27FC236}">
-                <a16:creationId xmlns:a16="http://schemas.microsoft.com/office/drawing/2014/main" id="{A767FB3B-92DB-884A-9924-50CE602EA2E8}"/>
-              </a:ext>
-            </a:extLst>
-          </p:cNvPr>
-          <p:cNvCxnSpPr>
-            <a:cxnSpLocks/>
-            <a:stCxn id="104" idx="5"/>
-            <a:endCxn id="35" idx="1"/>
-          </p:cNvCxnSpPr>
-          <p:nvPr/>
-        </p:nvCxnSpPr>
-        <p:spPr>
-          <a:xfrm>
-            <a:off x="3147325" y="2362549"/>
-            <a:ext cx="4997350" cy="2040686"/>
-          </a:xfrm>
-          <a:prstGeom prst="straightConnector1">
-            <a:avLst/>
-          </a:prstGeom>
-          <a:ln w="63500">
-            <a:solidFill>
-              <a:schemeClr val="tx1"/>
-            </a:solidFill>
-            <a:tailEnd type="triangle"/>
-          </a:ln>
-        </p:spPr>
-        <p:style>
-          <a:lnRef idx="1">
-            <a:schemeClr val="dk1"/>
-          </a:lnRef>
-          <a:fillRef idx="0">
-            <a:schemeClr val="dk1"/>
-          </a:fillRef>
-          <a:effectRef idx="0">
-            <a:schemeClr val="dk1"/>
-          </a:effectRef>
-          <a:fontRef idx="minor">
-            <a:schemeClr val="tx1"/>
-          </a:fontRef>
-        </p:style>
-      </p:cxnSp>
-      <p:cxnSp>
-        <p:nvCxnSpPr>
-          <p:cNvPr id="44" name="Straight Arrow Connector 43">
-            <a:extLst>
-              <a:ext uri="{FF2B5EF4-FFF2-40B4-BE49-F238E27FC236}">
-                <a16:creationId xmlns:a16="http://schemas.microsoft.com/office/drawing/2014/main" id="{A604E42D-8314-0146-EC4E-50F4BB9030C9}"/>
-              </a:ext>
-            </a:extLst>
-          </p:cNvPr>
-          <p:cNvCxnSpPr>
-            <a:cxnSpLocks/>
-            <a:stCxn id="105" idx="4"/>
-            <a:endCxn id="35" idx="0"/>
-          </p:cNvCxnSpPr>
-          <p:nvPr/>
-        </p:nvCxnSpPr>
-        <p:spPr>
-          <a:xfrm>
-            <a:off x="8781071" y="2626153"/>
-            <a:ext cx="0" cy="1513478"/>
-          </a:xfrm>
-          <a:prstGeom prst="straightConnector1">
-            <a:avLst/>
-          </a:prstGeom>
-          <a:ln w="38100">
-            <a:solidFill>
-              <a:schemeClr val="tx1"/>
-            </a:solidFill>
-            <a:prstDash val="sysDot"/>
-            <a:tailEnd type="triangle"/>
-          </a:ln>
-        </p:spPr>
-        <p:style>
-          <a:lnRef idx="1">
-            <a:schemeClr val="dk1"/>
-          </a:lnRef>
-          <a:fillRef idx="0">
-            <a:schemeClr val="dk1"/>
-          </a:fillRef>
-          <a:effectRef idx="0">
-            <a:schemeClr val="dk1"/>
-          </a:effectRef>
-          <a:fontRef idx="minor">
-            <a:schemeClr val="tx1"/>
-          </a:fontRef>
-        </p:style>
-      </p:cxnSp>
-      <p:sp>
-        <p:nvSpPr>
-          <p:cNvPr id="19" name="Rectangle 18">
-            <a:extLst>
-              <a:ext uri="{FF2B5EF4-FFF2-40B4-BE49-F238E27FC236}">
-                <a16:creationId xmlns:a16="http://schemas.microsoft.com/office/drawing/2014/main" id="{38857C37-4B42-44BE-2547-5DE0086D36BF}"/>
-              </a:ext>
-            </a:extLst>
-          </p:cNvPr>
-          <p:cNvSpPr/>
-          <p:nvPr/>
-        </p:nvSpPr>
-        <p:spPr>
-          <a:xfrm>
-            <a:off x="6913222" y="3059724"/>
-            <a:ext cx="1935698" cy="646331"/>
-          </a:xfrm>
-          <a:prstGeom prst="rect">
-            <a:avLst/>
-          </a:prstGeom>
-        </p:spPr>
-        <p:txBody>
-          <a:bodyPr wrap="square">
-            <a:spAutoFit/>
-          </a:bodyPr>
-          <a:lstStyle/>
-          <a:p>
-            <a:pPr algn="ctr"/>
-            <a:r>
-              <a:rPr lang="en-US" b="1" dirty="0"/>
-              <a:t>C. </a:t>
-            </a:r>
-            <a:r>
-              <a:rPr lang="en-US" dirty="0"/>
-              <a:t>Evidence exists, but no analysis</a:t>
-            </a:r>
-          </a:p>
-        </p:txBody>
-      </p:sp>
-      <p:sp>
-        <p:nvSpPr>
-          <p:cNvPr id="20" name="Rectangle 19">
-            <a:extLst>
-              <a:ext uri="{FF2B5EF4-FFF2-40B4-BE49-F238E27FC236}">
-                <a16:creationId xmlns:a16="http://schemas.microsoft.com/office/drawing/2014/main" id="{D100FCE4-4112-2B3F-3DE3-053095541BE9}"/>
-              </a:ext>
-            </a:extLst>
-          </p:cNvPr>
-          <p:cNvSpPr/>
-          <p:nvPr/>
-        </p:nvSpPr>
-        <p:spPr>
-          <a:xfrm>
-            <a:off x="1419230" y="3059725"/>
-            <a:ext cx="1067113" cy="646331"/>
-          </a:xfrm>
-          <a:prstGeom prst="rect">
-            <a:avLst/>
-          </a:prstGeom>
-        </p:spPr>
-        <p:txBody>
-          <a:bodyPr wrap="square">
-            <a:spAutoFit/>
-          </a:bodyPr>
-          <a:lstStyle/>
-          <a:p>
-            <a:pPr algn="ctr"/>
-            <a:r>
-              <a:rPr lang="en-US" b="1" dirty="0"/>
-              <a:t>A. </a:t>
-            </a:r>
-            <a:r>
-              <a:rPr lang="en-US" dirty="0"/>
-              <a:t>No evidence</a:t>
-            </a:r>
-          </a:p>
-        </p:txBody>
-      </p:sp>
-      <p:sp>
-        <p:nvSpPr>
-          <p:cNvPr id="50" name="Rectangle 49">
-            <a:extLst>
-              <a:ext uri="{FF2B5EF4-FFF2-40B4-BE49-F238E27FC236}">
-                <a16:creationId xmlns:a16="http://schemas.microsoft.com/office/drawing/2014/main" id="{CB3D5BF0-934F-650E-BC5A-704B3BAF087B}"/>
-              </a:ext>
-            </a:extLst>
-          </p:cNvPr>
-          <p:cNvSpPr/>
-          <p:nvPr/>
-        </p:nvSpPr>
-        <p:spPr>
-          <a:xfrm>
-            <a:off x="3875918" y="3059724"/>
-            <a:ext cx="1067113" cy="646331"/>
-          </a:xfrm>
-          <a:prstGeom prst="rect">
-            <a:avLst/>
-          </a:prstGeom>
-        </p:spPr>
-        <p:txBody>
-          <a:bodyPr wrap="square">
-            <a:spAutoFit/>
-          </a:bodyPr>
-          <a:lstStyle/>
-          <a:p>
-            <a:pPr algn="ctr"/>
-            <a:r>
-              <a:rPr lang="en-US" b="1" dirty="0"/>
-              <a:t>B. Four studies</a:t>
-            </a:r>
-            <a:endParaRPr lang="en-US" dirty="0"/>
-          </a:p>
-        </p:txBody>
-      </p:sp>
     </p:spTree>
     <p:extLst>
       <p:ext uri="{BB962C8B-B14F-4D97-AF65-F5344CB8AC3E}">

--- a/causalgraphs.pptx
+++ b/causalgraphs.pptx
@@ -4461,10 +4461,10 @@
         </p:nvGrpSpPr>
         <p:grpSpPr>
           <a:xfrm>
-            <a:off x="1419230" y="826153"/>
-            <a:ext cx="8261841" cy="5113478"/>
-            <a:chOff x="1419230" y="826153"/>
-            <a:chExt cx="8261841" cy="5113478"/>
+            <a:off x="1177134" y="826153"/>
+            <a:ext cx="8503937" cy="5113478"/>
+            <a:chOff x="1177134" y="826153"/>
+            <a:chExt cx="8503937" cy="5113478"/>
           </a:xfrm>
         </p:grpSpPr>
         <p:grpSp>
@@ -4907,8 +4907,8 @@
           </p:nvSpPr>
           <p:spPr>
             <a:xfrm>
-              <a:off x="6913222" y="3059724"/>
-              <a:ext cx="1935698" cy="646331"/>
+              <a:off x="6762307" y="3059724"/>
+              <a:ext cx="2086613" cy="646331"/>
             </a:xfrm>
             <a:prstGeom prst="rect">
               <a:avLst/>
@@ -4946,8 +4946,8 @@
           </p:nvSpPr>
           <p:spPr>
             <a:xfrm>
-              <a:off x="1419230" y="3059725"/>
-              <a:ext cx="1067113" cy="646331"/>
+              <a:off x="1177134" y="3059725"/>
+              <a:ext cx="1309209" cy="646331"/>
             </a:xfrm>
             <a:prstGeom prst="rect">
               <a:avLst/>

--- a/causalgraphs.pptx
+++ b/causalgraphs.pptx
@@ -7,6 +7,7 @@
   <p:sldIdLst>
     <p:sldId id="257" r:id="rId2"/>
     <p:sldId id="258" r:id="rId3"/>
+    <p:sldId id="260" r:id="rId4"/>
   </p:sldIdLst>
   <p:sldSz cx="12192000" cy="11879263"/>
   <p:notesSz cx="6858000" cy="9144000"/>
@@ -244,7 +245,7 @@
           <a:p>
             <a:fld id="{0242246C-62F8-8D41-AE20-12536F7DA5C0}" type="datetimeFigureOut">
               <a:rPr lang="en-US" smtClean="0"/>
-              <a:t>4/30/22</a:t>
+              <a:t>5/3/22</a:t>
             </a:fld>
             <a:endParaRPr lang="en-US"/>
           </a:p>
@@ -414,7 +415,7 @@
           <a:p>
             <a:fld id="{0242246C-62F8-8D41-AE20-12536F7DA5C0}" type="datetimeFigureOut">
               <a:rPr lang="en-US" smtClean="0"/>
-              <a:t>4/30/22</a:t>
+              <a:t>5/3/22</a:t>
             </a:fld>
             <a:endParaRPr lang="en-US"/>
           </a:p>
@@ -594,7 +595,7 @@
           <a:p>
             <a:fld id="{0242246C-62F8-8D41-AE20-12536F7DA5C0}" type="datetimeFigureOut">
               <a:rPr lang="en-US" smtClean="0"/>
-              <a:t>4/30/22</a:t>
+              <a:t>5/3/22</a:t>
             </a:fld>
             <a:endParaRPr lang="en-US"/>
           </a:p>
@@ -764,7 +765,7 @@
           <a:p>
             <a:fld id="{0242246C-62F8-8D41-AE20-12536F7DA5C0}" type="datetimeFigureOut">
               <a:rPr lang="en-US" smtClean="0"/>
-              <a:t>4/30/22</a:t>
+              <a:t>5/3/22</a:t>
             </a:fld>
             <a:endParaRPr lang="en-US"/>
           </a:p>
@@ -1008,7 +1009,7 @@
           <a:p>
             <a:fld id="{0242246C-62F8-8D41-AE20-12536F7DA5C0}" type="datetimeFigureOut">
               <a:rPr lang="en-US" smtClean="0"/>
-              <a:t>4/30/22</a:t>
+              <a:t>5/3/22</a:t>
             </a:fld>
             <a:endParaRPr lang="en-US"/>
           </a:p>
@@ -1240,7 +1241,7 @@
           <a:p>
             <a:fld id="{0242246C-62F8-8D41-AE20-12536F7DA5C0}" type="datetimeFigureOut">
               <a:rPr lang="en-US" smtClean="0"/>
-              <a:t>4/30/22</a:t>
+              <a:t>5/3/22</a:t>
             </a:fld>
             <a:endParaRPr lang="en-US"/>
           </a:p>
@@ -1607,7 +1608,7 @@
           <a:p>
             <a:fld id="{0242246C-62F8-8D41-AE20-12536F7DA5C0}" type="datetimeFigureOut">
               <a:rPr lang="en-US" smtClean="0"/>
-              <a:t>4/30/22</a:t>
+              <a:t>5/3/22</a:t>
             </a:fld>
             <a:endParaRPr lang="en-US"/>
           </a:p>
@@ -1725,7 +1726,7 @@
           <a:p>
             <a:fld id="{0242246C-62F8-8D41-AE20-12536F7DA5C0}" type="datetimeFigureOut">
               <a:rPr lang="en-US" smtClean="0"/>
-              <a:t>4/30/22</a:t>
+              <a:t>5/3/22</a:t>
             </a:fld>
             <a:endParaRPr lang="en-US"/>
           </a:p>
@@ -1820,7 +1821,7 @@
           <a:p>
             <a:fld id="{0242246C-62F8-8D41-AE20-12536F7DA5C0}" type="datetimeFigureOut">
               <a:rPr lang="en-US" smtClean="0"/>
-              <a:t>4/30/22</a:t>
+              <a:t>5/3/22</a:t>
             </a:fld>
             <a:endParaRPr lang="en-US"/>
           </a:p>
@@ -2097,7 +2098,7 @@
           <a:p>
             <a:fld id="{0242246C-62F8-8D41-AE20-12536F7DA5C0}" type="datetimeFigureOut">
               <a:rPr lang="en-US" smtClean="0"/>
-              <a:t>4/30/22</a:t>
+              <a:t>5/3/22</a:t>
             </a:fld>
             <a:endParaRPr lang="en-US"/>
           </a:p>
@@ -2354,7 +2355,7 @@
           <a:p>
             <a:fld id="{0242246C-62F8-8D41-AE20-12536F7DA5C0}" type="datetimeFigureOut">
               <a:rPr lang="en-US" smtClean="0"/>
-              <a:t>4/30/22</a:t>
+              <a:t>5/3/22</a:t>
             </a:fld>
             <a:endParaRPr lang="en-US"/>
           </a:p>
@@ -2567,7 +2568,7 @@
           <a:p>
             <a:fld id="{0242246C-62F8-8D41-AE20-12536F7DA5C0}" type="datetimeFigureOut">
               <a:rPr lang="en-US" smtClean="0"/>
-              <a:t>4/30/22</a:t>
+              <a:t>5/3/22</a:t>
             </a:fld>
             <a:endParaRPr lang="en-US"/>
           </a:p>
@@ -3106,9 +3107,9 @@
             <p:nvPr/>
           </p:nvCxnSpPr>
           <p:spPr>
-            <a:xfrm flipH="1">
-              <a:off x="4621547" y="1547874"/>
-              <a:ext cx="578833" cy="15104"/>
+            <a:xfrm flipH="1" flipV="1">
+              <a:off x="4621547" y="1541713"/>
+              <a:ext cx="578833" cy="6161"/>
             </a:xfrm>
             <a:prstGeom prst="straightConnector1">
               <a:avLst/>
@@ -3330,7 +3331,7 @@
           </p:nvSpPr>
           <p:spPr>
             <a:xfrm>
-              <a:off x="2821547" y="662978"/>
+              <a:off x="2821547" y="641713"/>
               <a:ext cx="1800000" cy="1800000"/>
             </a:xfrm>
             <a:prstGeom prst="ellipse">
@@ -3440,8 +3441,8 @@
           </p:nvCxnSpPr>
           <p:spPr>
             <a:xfrm flipH="1">
-              <a:off x="3712381" y="2462978"/>
-              <a:ext cx="9166" cy="186019"/>
+              <a:off x="3712381" y="2441713"/>
+              <a:ext cx="9166" cy="207284"/>
             </a:xfrm>
             <a:prstGeom prst="straightConnector1">
               <a:avLst/>
@@ -4452,7 +4453,7 @@
           <p:cNvPr id="2" name="Group 1">
             <a:extLst>
               <a:ext uri="{FF2B5EF4-FFF2-40B4-BE49-F238E27FC236}">
-                <a16:creationId xmlns:a16="http://schemas.microsoft.com/office/drawing/2014/main" id="{C4438789-075C-3DC8-12BB-04AD3F155BC7}"/>
+                <a16:creationId xmlns:a16="http://schemas.microsoft.com/office/drawing/2014/main" id="{F6D2B13A-4DC7-E4DE-94E9-70A60A7C2CC6}"/>
               </a:ext>
             </a:extLst>
           </p:cNvPr>
@@ -4461,10 +4462,10 @@
         </p:nvGrpSpPr>
         <p:grpSpPr>
           <a:xfrm>
-            <a:off x="1177134" y="826153"/>
-            <a:ext cx="8503937" cy="5113478"/>
-            <a:chOff x="1177134" y="826153"/>
-            <a:chExt cx="8503937" cy="5113478"/>
+            <a:off x="974534" y="826153"/>
+            <a:ext cx="9798236" cy="5113478"/>
+            <a:chOff x="974534" y="826153"/>
+            <a:chExt cx="9798236" cy="5113478"/>
           </a:xfrm>
         </p:grpSpPr>
         <p:grpSp>
@@ -4639,10 +4640,6 @@
                   <a:t>Childhood Lead Exposure</a:t>
                 </a:r>
               </a:p>
-              <a:p>
-                <a:pPr algn="ctr"/>
-                <a:endParaRPr lang="en-US" sz="1550" dirty="0"/>
-              </a:p>
             </p:txBody>
           </p:sp>
           <p:sp>
@@ -4907,8 +4904,8 @@
           </p:nvSpPr>
           <p:spPr>
             <a:xfrm>
-              <a:off x="6762307" y="3059724"/>
-              <a:ext cx="2086613" cy="646331"/>
+              <a:off x="8837072" y="3059724"/>
+              <a:ext cx="1935698" cy="923330"/>
             </a:xfrm>
             <a:prstGeom prst="rect">
               <a:avLst/>
@@ -4927,8 +4924,13 @@
               </a:r>
               <a:r>
                 <a:rPr lang="en-US" dirty="0"/>
-                <a:t>Evidence exists, but no analysis</a:t>
+                <a:t>Evidence exists, but we did not </a:t>
               </a:r>
+              <a:r>
+                <a:rPr lang="en-US" dirty="0" err="1"/>
+                <a:t>analyse</a:t>
+              </a:r>
+              <a:endParaRPr lang="en-US" dirty="0"/>
             </a:p>
           </p:txBody>
         </p:sp>
@@ -4946,8 +4948,8 @@
           </p:nvSpPr>
           <p:spPr>
             <a:xfrm>
-              <a:off x="1177134" y="3059725"/>
-              <a:ext cx="1309209" cy="646331"/>
+              <a:off x="974534" y="3059725"/>
+              <a:ext cx="1511810" cy="646331"/>
             </a:xfrm>
             <a:prstGeom prst="rect">
               <a:avLst/>
@@ -5012,6 +5014,368 @@
     <p:extLst>
       <p:ext uri="{BB962C8B-B14F-4D97-AF65-F5344CB8AC3E}">
         <p14:creationId xmlns:p14="http://schemas.microsoft.com/office/powerpoint/2010/main" val="4239878614"/>
+      </p:ext>
+    </p:extLst>
+  </p:cSld>
+  <p:clrMapOvr>
+    <a:masterClrMapping/>
+  </p:clrMapOvr>
+</p:sld>
+</file>
+
+<file path=ppt/slides/slide3.xml><?xml version="1.0" encoding="utf-8"?>
+<p:sld xmlns:a="http://schemas.openxmlformats.org/drawingml/2006/main" xmlns:r="http://schemas.openxmlformats.org/officeDocument/2006/relationships" xmlns:p="http://schemas.openxmlformats.org/presentationml/2006/main">
+  <p:cSld>
+    <p:spTree>
+      <p:nvGrpSpPr>
+        <p:cNvPr id="1" name=""/>
+        <p:cNvGrpSpPr/>
+        <p:nvPr/>
+      </p:nvGrpSpPr>
+      <p:grpSpPr>
+        <a:xfrm>
+          <a:off x="0" y="0"/>
+          <a:ext cx="0" cy="0"/>
+          <a:chOff x="0" y="0"/>
+          <a:chExt cx="0" cy="0"/>
+        </a:xfrm>
+      </p:grpSpPr>
+      <p:grpSp>
+        <p:nvGrpSpPr>
+          <p:cNvPr id="10" name="Group 9">
+            <a:extLst>
+              <a:ext uri="{FF2B5EF4-FFF2-40B4-BE49-F238E27FC236}">
+                <a16:creationId xmlns:a16="http://schemas.microsoft.com/office/drawing/2014/main" id="{14D7AF4C-2ADD-D934-F254-899598B65189}"/>
+              </a:ext>
+            </a:extLst>
+          </p:cNvPr>
+          <p:cNvGrpSpPr/>
+          <p:nvPr/>
+        </p:nvGrpSpPr>
+        <p:grpSpPr>
+          <a:xfrm>
+            <a:off x="156368" y="0"/>
+            <a:ext cx="11879263" cy="11879263"/>
+            <a:chOff x="156368" y="0"/>
+            <a:chExt cx="11879263" cy="11879263"/>
+          </a:xfrm>
+        </p:grpSpPr>
+        <p:grpSp>
+          <p:nvGrpSpPr>
+            <p:cNvPr id="8" name="Group 7">
+              <a:extLst>
+                <a:ext uri="{FF2B5EF4-FFF2-40B4-BE49-F238E27FC236}">
+                  <a16:creationId xmlns:a16="http://schemas.microsoft.com/office/drawing/2014/main" id="{074D0422-202B-8948-C018-7EC24D9524CB}"/>
+                </a:ext>
+              </a:extLst>
+            </p:cNvPr>
+            <p:cNvGrpSpPr/>
+            <p:nvPr/>
+          </p:nvGrpSpPr>
+          <p:grpSpPr>
+            <a:xfrm>
+              <a:off x="156368" y="0"/>
+              <a:ext cx="11879263" cy="11879263"/>
+              <a:chOff x="156368" y="0"/>
+              <a:chExt cx="11879263" cy="11879263"/>
+            </a:xfrm>
+          </p:grpSpPr>
+          <p:pic>
+            <p:nvPicPr>
+              <p:cNvPr id="3" name="Picture 2" descr="Shape&#10;&#10;Description automatically generated with low confidence">
+                <a:extLst>
+                  <a:ext uri="{FF2B5EF4-FFF2-40B4-BE49-F238E27FC236}">
+                    <a16:creationId xmlns:a16="http://schemas.microsoft.com/office/drawing/2014/main" id="{F5945B90-6DF2-2702-51AF-234B7CB27B3A}"/>
+                  </a:ext>
+                </a:extLst>
+              </p:cNvPr>
+              <p:cNvPicPr>
+                <a:picLocks noChangeAspect="1"/>
+              </p:cNvPicPr>
+              <p:nvPr/>
+            </p:nvPicPr>
+            <p:blipFill>
+              <a:blip r:embed="rId2"/>
+              <a:stretch>
+                <a:fillRect/>
+              </a:stretch>
+            </p:blipFill>
+            <p:spPr>
+              <a:xfrm>
+                <a:off x="156368" y="0"/>
+                <a:ext cx="11879263" cy="11879263"/>
+              </a:xfrm>
+              <a:prstGeom prst="rect">
+                <a:avLst/>
+              </a:prstGeom>
+            </p:spPr>
+          </p:pic>
+          <p:cxnSp>
+            <p:nvCxnSpPr>
+              <p:cNvPr id="5" name="Straight Connector 4">
+                <a:extLst>
+                  <a:ext uri="{FF2B5EF4-FFF2-40B4-BE49-F238E27FC236}">
+                    <a16:creationId xmlns:a16="http://schemas.microsoft.com/office/drawing/2014/main" id="{DB2F7E1C-52C3-9226-8009-81DD9BC4C5A2}"/>
+                  </a:ext>
+                </a:extLst>
+              </p:cNvPr>
+              <p:cNvCxnSpPr/>
+              <p:nvPr/>
+            </p:nvCxnSpPr>
+            <p:spPr>
+              <a:xfrm>
+                <a:off x="1552353" y="637953"/>
+                <a:ext cx="10228521" cy="0"/>
+              </a:xfrm>
+              <a:prstGeom prst="line">
+                <a:avLst/>
+              </a:prstGeom>
+              <a:ln w="25400">
+                <a:solidFill>
+                  <a:schemeClr val="tx1"/>
+                </a:solidFill>
+                <a:prstDash val="sysDash"/>
+              </a:ln>
+            </p:spPr>
+            <p:style>
+              <a:lnRef idx="1">
+                <a:schemeClr val="accent1"/>
+              </a:lnRef>
+              <a:fillRef idx="0">
+                <a:schemeClr val="accent1"/>
+              </a:fillRef>
+              <a:effectRef idx="0">
+                <a:schemeClr val="accent1"/>
+              </a:effectRef>
+              <a:fontRef idx="minor">
+                <a:schemeClr val="tx1"/>
+              </a:fontRef>
+            </p:style>
+          </p:cxnSp>
+          <p:sp>
+            <p:nvSpPr>
+              <p:cNvPr id="6" name="Rectangle 5">
+                <a:extLst>
+                  <a:ext uri="{FF2B5EF4-FFF2-40B4-BE49-F238E27FC236}">
+                    <a16:creationId xmlns:a16="http://schemas.microsoft.com/office/drawing/2014/main" id="{2C771D19-B60D-6C9B-F01F-1D1E5E8A1E20}"/>
+                  </a:ext>
+                </a:extLst>
+              </p:cNvPr>
+              <p:cNvSpPr/>
+              <p:nvPr/>
+            </p:nvSpPr>
+            <p:spPr>
+              <a:xfrm>
+                <a:off x="5741581" y="659219"/>
+                <a:ext cx="5422604" cy="8867554"/>
+              </a:xfrm>
+              <a:prstGeom prst="rect">
+                <a:avLst/>
+              </a:prstGeom>
+              <a:solidFill>
+                <a:schemeClr val="tx2">
+                  <a:alpha val="50000"/>
+                </a:schemeClr>
+              </a:solidFill>
+              <a:ln>
+                <a:noFill/>
+              </a:ln>
+            </p:spPr>
+            <p:style>
+              <a:lnRef idx="2">
+                <a:schemeClr val="accent1">
+                  <a:shade val="50000"/>
+                </a:schemeClr>
+              </a:lnRef>
+              <a:fillRef idx="1">
+                <a:schemeClr val="accent1"/>
+              </a:fillRef>
+              <a:effectRef idx="0">
+                <a:schemeClr val="accent1"/>
+              </a:effectRef>
+              <a:fontRef idx="minor">
+                <a:schemeClr val="lt1"/>
+              </a:fontRef>
+            </p:style>
+            <p:txBody>
+              <a:bodyPr rtlCol="0" anchor="ctr"/>
+              <a:lstStyle/>
+              <a:p>
+                <a:pPr algn="ctr"/>
+                <a:endParaRPr lang="en-GB"/>
+              </a:p>
+            </p:txBody>
+          </p:sp>
+          <p:sp>
+            <p:nvSpPr>
+              <p:cNvPr id="7" name="Triangle 6">
+                <a:extLst>
+                  <a:ext uri="{FF2B5EF4-FFF2-40B4-BE49-F238E27FC236}">
+                    <a16:creationId xmlns:a16="http://schemas.microsoft.com/office/drawing/2014/main" id="{19F53E56-7C09-65C4-7698-83D42F9F256A}"/>
+                  </a:ext>
+                </a:extLst>
+              </p:cNvPr>
+              <p:cNvSpPr/>
+              <p:nvPr/>
+            </p:nvSpPr>
+            <p:spPr>
+              <a:xfrm flipV="1">
+                <a:off x="2169044" y="659218"/>
+                <a:ext cx="3572537" cy="8888820"/>
+              </a:xfrm>
+              <a:prstGeom prst="triangle">
+                <a:avLst>
+                  <a:gd name="adj" fmla="val 100000"/>
+                </a:avLst>
+              </a:prstGeom>
+              <a:solidFill>
+                <a:schemeClr val="tx2">
+                  <a:alpha val="50000"/>
+                </a:schemeClr>
+              </a:solidFill>
+              <a:ln>
+                <a:noFill/>
+              </a:ln>
+            </p:spPr>
+            <p:style>
+              <a:lnRef idx="2">
+                <a:schemeClr val="accent1">
+                  <a:shade val="50000"/>
+                </a:schemeClr>
+              </a:lnRef>
+              <a:fillRef idx="1">
+                <a:schemeClr val="accent1"/>
+              </a:fillRef>
+              <a:effectRef idx="0">
+                <a:schemeClr val="accent1"/>
+              </a:effectRef>
+              <a:fontRef idx="minor">
+                <a:schemeClr val="lt1"/>
+              </a:fontRef>
+            </p:style>
+            <p:txBody>
+              <a:bodyPr rtlCol="0" anchor="ctr"/>
+              <a:lstStyle/>
+              <a:p>
+                <a:pPr algn="ctr"/>
+                <a:endParaRPr lang="en-GB"/>
+              </a:p>
+            </p:txBody>
+          </p:sp>
+        </p:grpSp>
+        <p:sp>
+          <p:nvSpPr>
+            <p:cNvPr id="9" name="TextBox 8">
+              <a:extLst>
+                <a:ext uri="{FF2B5EF4-FFF2-40B4-BE49-F238E27FC236}">
+                  <a16:creationId xmlns:a16="http://schemas.microsoft.com/office/drawing/2014/main" id="{9AC22185-4EE5-25E0-8F38-80C678148152}"/>
+                </a:ext>
+              </a:extLst>
+            </p:cNvPr>
+            <p:cNvSpPr txBox="1"/>
+            <p:nvPr/>
+          </p:nvSpPr>
+          <p:spPr>
+            <a:xfrm>
+              <a:off x="5741581" y="2275367"/>
+              <a:ext cx="3742661" cy="1754326"/>
+            </a:xfrm>
+            <a:prstGeom prst="rect">
+              <a:avLst/>
+            </a:prstGeom>
+            <a:noFill/>
+          </p:spPr>
+          <p:txBody>
+            <a:bodyPr wrap="square" rtlCol="0">
+              <a:spAutoFit/>
+            </a:bodyPr>
+            <a:lstStyle/>
+            <a:p>
+              <a:pPr algn="ctr"/>
+              <a:r>
+                <a:rPr lang="en-GB" sz="3600" dirty="0"/>
+                <a:t>SD-years of subjective wellbeing lost</a:t>
+              </a:r>
+            </a:p>
+          </p:txBody>
+        </p:sp>
+        <p:sp>
+          <p:nvSpPr>
+            <p:cNvPr id="21" name="TextBox 20">
+              <a:extLst>
+                <a:ext uri="{FF2B5EF4-FFF2-40B4-BE49-F238E27FC236}">
+                  <a16:creationId xmlns:a16="http://schemas.microsoft.com/office/drawing/2014/main" id="{DFDF0830-D359-B69F-4201-4C24140911DB}"/>
+                </a:ext>
+              </a:extLst>
+            </p:cNvPr>
+            <p:cNvSpPr txBox="1"/>
+            <p:nvPr/>
+          </p:nvSpPr>
+          <p:spPr>
+            <a:xfrm>
+              <a:off x="5741581" y="9603896"/>
+              <a:ext cx="5422603" cy="461665"/>
+            </a:xfrm>
+            <a:prstGeom prst="rect">
+              <a:avLst/>
+            </a:prstGeom>
+            <a:noFill/>
+          </p:spPr>
+          <p:txBody>
+            <a:bodyPr wrap="square" rtlCol="0">
+              <a:spAutoFit/>
+            </a:bodyPr>
+            <a:lstStyle/>
+            <a:p>
+              <a:pPr algn="ctr"/>
+              <a:r>
+                <a:rPr lang="en-GB" sz="2400" dirty="0"/>
+                <a:t>Stabilised losses in adulthood</a:t>
+              </a:r>
+            </a:p>
+          </p:txBody>
+        </p:sp>
+        <p:sp>
+          <p:nvSpPr>
+            <p:cNvPr id="23" name="TextBox 22">
+              <a:extLst>
+                <a:ext uri="{FF2B5EF4-FFF2-40B4-BE49-F238E27FC236}">
+                  <a16:creationId xmlns:a16="http://schemas.microsoft.com/office/drawing/2014/main" id="{BADA84A3-570F-CBE1-3AE4-D66149EC6524}"/>
+                </a:ext>
+              </a:extLst>
+            </p:cNvPr>
+            <p:cNvSpPr txBox="1"/>
+            <p:nvPr/>
+          </p:nvSpPr>
+          <p:spPr>
+            <a:xfrm>
+              <a:off x="1892810" y="5566111"/>
+              <a:ext cx="2842433" cy="461665"/>
+            </a:xfrm>
+            <a:prstGeom prst="rect">
+              <a:avLst/>
+            </a:prstGeom>
+            <a:noFill/>
+          </p:spPr>
+          <p:txBody>
+            <a:bodyPr wrap="square" rtlCol="0">
+              <a:spAutoFit/>
+            </a:bodyPr>
+            <a:lstStyle/>
+            <a:p>
+              <a:pPr algn="ctr"/>
+              <a:r>
+                <a:rPr lang="en-GB" sz="2400" dirty="0"/>
+                <a:t>Losses grow</a:t>
+              </a:r>
+            </a:p>
+          </p:txBody>
+        </p:sp>
+      </p:grpSp>
+    </p:spTree>
+    <p:extLst>
+      <p:ext uri="{BB962C8B-B14F-4D97-AF65-F5344CB8AC3E}">
+        <p14:creationId xmlns:p14="http://schemas.microsoft.com/office/powerpoint/2010/main" val="1610701667"/>
       </p:ext>
     </p:extLst>
   </p:cSld>

--- a/causalgraphs.pptx
+++ b/causalgraphs.pptx
@@ -2,14 +2,14 @@
 <file path=ppt/presentation.xml><?xml version="1.0" encoding="utf-8"?>
 <p:presentation xmlns:a="http://schemas.openxmlformats.org/drawingml/2006/main" xmlns:r="http://schemas.openxmlformats.org/officeDocument/2006/relationships" xmlns:p="http://schemas.openxmlformats.org/presentationml/2006/main" saveSubsetFonts="1" autoCompressPictures="0">
   <p:sldMasterIdLst>
-    <p:sldMasterId id="2147483660" r:id="rId1"/>
+    <p:sldMasterId id="2147483672" r:id="rId1"/>
   </p:sldMasterIdLst>
   <p:sldIdLst>
     <p:sldId id="257" r:id="rId2"/>
     <p:sldId id="258" r:id="rId3"/>
     <p:sldId id="260" r:id="rId4"/>
   </p:sldIdLst>
-  <p:sldSz cx="12192000" cy="11879263"/>
+  <p:sldSz cx="12192000" cy="14400213"/>
   <p:notesSz cx="6858000" cy="9144000"/>
   <p:defaultTextStyle>
     <a:defPPr>
@@ -143,8 +143,8 @@
         </p:nvSpPr>
         <p:spPr>
           <a:xfrm>
-            <a:off x="914400" y="1944130"/>
-            <a:ext cx="10363200" cy="4135743"/>
+            <a:off x="914400" y="2356703"/>
+            <a:ext cx="10363200" cy="5013407"/>
           </a:xfrm>
         </p:spPr>
         <p:txBody>
@@ -175,8 +175,8 @@
         </p:nvSpPr>
         <p:spPr>
           <a:xfrm>
-            <a:off x="1524000" y="6239364"/>
-            <a:ext cx="9144000" cy="2868071"/>
+            <a:off x="1524000" y="7563446"/>
+            <a:ext cx="9144000" cy="3476717"/>
           </a:xfrm>
         </p:spPr>
         <p:txBody>
@@ -296,7 +296,7 @@
     </p:spTree>
     <p:extLst>
       <p:ext uri="{BB962C8B-B14F-4D97-AF65-F5344CB8AC3E}">
-        <p14:creationId xmlns:p14="http://schemas.microsoft.com/office/powerpoint/2010/main" val="1564884935"/>
+        <p14:creationId xmlns:p14="http://schemas.microsoft.com/office/powerpoint/2010/main" val="2472454962"/>
       </p:ext>
     </p:extLst>
   </p:cSld>
@@ -466,7 +466,7 @@
     </p:spTree>
     <p:extLst>
       <p:ext uri="{BB962C8B-B14F-4D97-AF65-F5344CB8AC3E}">
-        <p14:creationId xmlns:p14="http://schemas.microsoft.com/office/powerpoint/2010/main" val="2774206005"/>
+        <p14:creationId xmlns:p14="http://schemas.microsoft.com/office/powerpoint/2010/main" val="563054389"/>
       </p:ext>
     </p:extLst>
   </p:cSld>
@@ -505,8 +505,8 @@
         </p:nvSpPr>
         <p:spPr>
           <a:xfrm>
-            <a:off x="8724901" y="632461"/>
-            <a:ext cx="2628900" cy="10067126"/>
+            <a:off x="8724901" y="766678"/>
+            <a:ext cx="2628900" cy="12203515"/>
           </a:xfrm>
         </p:spPr>
         <p:txBody>
@@ -533,8 +533,8 @@
         </p:nvSpPr>
         <p:spPr>
           <a:xfrm>
-            <a:off x="838201" y="632461"/>
-            <a:ext cx="7734300" cy="10067126"/>
+            <a:off x="838201" y="766678"/>
+            <a:ext cx="7734300" cy="12203515"/>
           </a:xfrm>
         </p:spPr>
         <p:txBody>
@@ -646,7 +646,7 @@
     </p:spTree>
     <p:extLst>
       <p:ext uri="{BB962C8B-B14F-4D97-AF65-F5344CB8AC3E}">
-        <p14:creationId xmlns:p14="http://schemas.microsoft.com/office/powerpoint/2010/main" val="1851870049"/>
+        <p14:creationId xmlns:p14="http://schemas.microsoft.com/office/powerpoint/2010/main" val="2308430985"/>
       </p:ext>
     </p:extLst>
   </p:cSld>
@@ -816,7 +816,7 @@
     </p:spTree>
     <p:extLst>
       <p:ext uri="{BB962C8B-B14F-4D97-AF65-F5344CB8AC3E}">
-        <p14:creationId xmlns:p14="http://schemas.microsoft.com/office/powerpoint/2010/main" val="3412617129"/>
+        <p14:creationId xmlns:p14="http://schemas.microsoft.com/office/powerpoint/2010/main" val="4039885472"/>
       </p:ext>
     </p:extLst>
   </p:cSld>
@@ -855,8 +855,8 @@
         </p:nvSpPr>
         <p:spPr>
           <a:xfrm>
-            <a:off x="831851" y="2961570"/>
-            <a:ext cx="10515600" cy="4941443"/>
+            <a:off x="831851" y="3590057"/>
+            <a:ext cx="10515600" cy="5990088"/>
           </a:xfrm>
         </p:spPr>
         <p:txBody>
@@ -887,8 +887,8 @@
         </p:nvSpPr>
         <p:spPr>
           <a:xfrm>
-            <a:off x="831851" y="7949760"/>
-            <a:ext cx="10515600" cy="2598588"/>
+            <a:off x="831851" y="9636813"/>
+            <a:ext cx="10515600" cy="3150046"/>
           </a:xfrm>
         </p:spPr>
         <p:txBody>
@@ -1060,7 +1060,7 @@
     </p:spTree>
     <p:extLst>
       <p:ext uri="{BB962C8B-B14F-4D97-AF65-F5344CB8AC3E}">
-        <p14:creationId xmlns:p14="http://schemas.microsoft.com/office/powerpoint/2010/main" val="2169849171"/>
+        <p14:creationId xmlns:p14="http://schemas.microsoft.com/office/powerpoint/2010/main" val="439806233"/>
       </p:ext>
     </p:extLst>
   </p:cSld>
@@ -1122,8 +1122,8 @@
         </p:nvSpPr>
         <p:spPr>
           <a:xfrm>
-            <a:off x="838200" y="3162304"/>
-            <a:ext cx="5181600" cy="7537283"/>
+            <a:off x="838200" y="3833390"/>
+            <a:ext cx="5181600" cy="9136803"/>
           </a:xfrm>
         </p:spPr>
         <p:txBody>
@@ -1179,8 +1179,8 @@
         </p:nvSpPr>
         <p:spPr>
           <a:xfrm>
-            <a:off x="6172200" y="3162304"/>
-            <a:ext cx="5181600" cy="7537283"/>
+            <a:off x="6172200" y="3833390"/>
+            <a:ext cx="5181600" cy="9136803"/>
           </a:xfrm>
         </p:spPr>
         <p:txBody>
@@ -1292,7 +1292,7 @@
     </p:spTree>
     <p:extLst>
       <p:ext uri="{BB962C8B-B14F-4D97-AF65-F5344CB8AC3E}">
-        <p14:creationId xmlns:p14="http://schemas.microsoft.com/office/powerpoint/2010/main" val="1797117803"/>
+        <p14:creationId xmlns:p14="http://schemas.microsoft.com/office/powerpoint/2010/main" val="2134593710"/>
       </p:ext>
     </p:extLst>
   </p:cSld>
@@ -1331,8 +1331,8 @@
         </p:nvSpPr>
         <p:spPr>
           <a:xfrm>
-            <a:off x="839788" y="632464"/>
-            <a:ext cx="10515600" cy="2296108"/>
+            <a:off x="839788" y="766681"/>
+            <a:ext cx="10515600" cy="2783376"/>
           </a:xfrm>
         </p:spPr>
         <p:txBody>
@@ -1359,8 +1359,8 @@
         </p:nvSpPr>
         <p:spPr>
           <a:xfrm>
-            <a:off x="839789" y="2912070"/>
-            <a:ext cx="5157787" cy="1427161"/>
+            <a:off x="839789" y="3530053"/>
+            <a:ext cx="5157787" cy="1730025"/>
           </a:xfrm>
         </p:spPr>
         <p:txBody>
@@ -1424,8 +1424,8 @@
         </p:nvSpPr>
         <p:spPr>
           <a:xfrm>
-            <a:off x="839789" y="4339231"/>
-            <a:ext cx="5157787" cy="6382355"/>
+            <a:off x="839789" y="5260078"/>
+            <a:ext cx="5157787" cy="7736782"/>
           </a:xfrm>
         </p:spPr>
         <p:txBody>
@@ -1481,8 +1481,8 @@
         </p:nvSpPr>
         <p:spPr>
           <a:xfrm>
-            <a:off x="6172201" y="2912070"/>
-            <a:ext cx="5183188" cy="1427161"/>
+            <a:off x="6172201" y="3530053"/>
+            <a:ext cx="5183188" cy="1730025"/>
           </a:xfrm>
         </p:spPr>
         <p:txBody>
@@ -1546,8 +1546,8 @@
         </p:nvSpPr>
         <p:spPr>
           <a:xfrm>
-            <a:off x="6172201" y="4339231"/>
-            <a:ext cx="5183188" cy="6382355"/>
+            <a:off x="6172201" y="5260078"/>
+            <a:ext cx="5183188" cy="7736782"/>
           </a:xfrm>
         </p:spPr>
         <p:txBody>
@@ -1659,7 +1659,7 @@
     </p:spTree>
     <p:extLst>
       <p:ext uri="{BB962C8B-B14F-4D97-AF65-F5344CB8AC3E}">
-        <p14:creationId xmlns:p14="http://schemas.microsoft.com/office/powerpoint/2010/main" val="3374974780"/>
+        <p14:creationId xmlns:p14="http://schemas.microsoft.com/office/powerpoint/2010/main" val="1738715632"/>
       </p:ext>
     </p:extLst>
   </p:cSld>
@@ -1777,7 +1777,7 @@
     </p:spTree>
     <p:extLst>
       <p:ext uri="{BB962C8B-B14F-4D97-AF65-F5344CB8AC3E}">
-        <p14:creationId xmlns:p14="http://schemas.microsoft.com/office/powerpoint/2010/main" val="3310823565"/>
+        <p14:creationId xmlns:p14="http://schemas.microsoft.com/office/powerpoint/2010/main" val="3058127785"/>
       </p:ext>
     </p:extLst>
   </p:cSld>
@@ -1872,7 +1872,7 @@
     </p:spTree>
     <p:extLst>
       <p:ext uri="{BB962C8B-B14F-4D97-AF65-F5344CB8AC3E}">
-        <p14:creationId xmlns:p14="http://schemas.microsoft.com/office/powerpoint/2010/main" val="329615841"/>
+        <p14:creationId xmlns:p14="http://schemas.microsoft.com/office/powerpoint/2010/main" val="836408785"/>
       </p:ext>
     </p:extLst>
   </p:cSld>
@@ -1911,8 +1911,8 @@
         </p:nvSpPr>
         <p:spPr>
           <a:xfrm>
-            <a:off x="839788" y="791951"/>
-            <a:ext cx="3932237" cy="2771828"/>
+            <a:off x="839788" y="960014"/>
+            <a:ext cx="3932237" cy="3360050"/>
           </a:xfrm>
         </p:spPr>
         <p:txBody>
@@ -1943,8 +1943,8 @@
         </p:nvSpPr>
         <p:spPr>
           <a:xfrm>
-            <a:off x="5183188" y="1710397"/>
-            <a:ext cx="6172200" cy="8441976"/>
+            <a:off x="5183188" y="2073367"/>
+            <a:ext cx="6172200" cy="10233485"/>
           </a:xfrm>
         </p:spPr>
         <p:txBody>
@@ -2028,8 +2028,8 @@
         </p:nvSpPr>
         <p:spPr>
           <a:xfrm>
-            <a:off x="839788" y="3563779"/>
-            <a:ext cx="3932237" cy="6602341"/>
+            <a:off x="839788" y="4320064"/>
+            <a:ext cx="3932237" cy="8003453"/>
           </a:xfrm>
         </p:spPr>
         <p:txBody>
@@ -2149,7 +2149,7 @@
     </p:spTree>
     <p:extLst>
       <p:ext uri="{BB962C8B-B14F-4D97-AF65-F5344CB8AC3E}">
-        <p14:creationId xmlns:p14="http://schemas.microsoft.com/office/powerpoint/2010/main" val="1723309934"/>
+        <p14:creationId xmlns:p14="http://schemas.microsoft.com/office/powerpoint/2010/main" val="1952733063"/>
       </p:ext>
     </p:extLst>
   </p:cSld>
@@ -2188,8 +2188,8 @@
         </p:nvSpPr>
         <p:spPr>
           <a:xfrm>
-            <a:off x="839788" y="791951"/>
-            <a:ext cx="3932237" cy="2771828"/>
+            <a:off x="839788" y="960014"/>
+            <a:ext cx="3932237" cy="3360050"/>
           </a:xfrm>
         </p:spPr>
         <p:txBody>
@@ -2220,8 +2220,8 @@
         </p:nvSpPr>
         <p:spPr>
           <a:xfrm>
-            <a:off x="5183188" y="1710397"/>
-            <a:ext cx="6172200" cy="8441976"/>
+            <a:off x="5183188" y="2073367"/>
+            <a:ext cx="6172200" cy="10233485"/>
           </a:xfrm>
         </p:spPr>
         <p:txBody>
@@ -2269,7 +2269,7 @@
               <a:rPr lang="en-GB"/>
               <a:t>Click icon to add picture</a:t>
             </a:r>
-            <a:endParaRPr lang="en-US"/>
+            <a:endParaRPr lang="en-US" dirty="0"/>
           </a:p>
         </p:txBody>
       </p:sp>
@@ -2285,8 +2285,8 @@
         </p:nvSpPr>
         <p:spPr>
           <a:xfrm>
-            <a:off x="839788" y="3563779"/>
-            <a:ext cx="3932237" cy="6602341"/>
+            <a:off x="839788" y="4320064"/>
+            <a:ext cx="3932237" cy="8003453"/>
           </a:xfrm>
         </p:spPr>
         <p:txBody>
@@ -2406,7 +2406,7 @@
     </p:spTree>
     <p:extLst>
       <p:ext uri="{BB962C8B-B14F-4D97-AF65-F5344CB8AC3E}">
-        <p14:creationId xmlns:p14="http://schemas.microsoft.com/office/powerpoint/2010/main" val="1261426898"/>
+        <p14:creationId xmlns:p14="http://schemas.microsoft.com/office/powerpoint/2010/main" val="166133107"/>
       </p:ext>
     </p:extLst>
   </p:cSld>
@@ -2450,8 +2450,8 @@
         </p:nvSpPr>
         <p:spPr>
           <a:xfrm>
-            <a:off x="838200" y="632464"/>
-            <a:ext cx="10515600" cy="2296108"/>
+            <a:off x="838200" y="766681"/>
+            <a:ext cx="10515600" cy="2783376"/>
           </a:xfrm>
           <a:prstGeom prst="rect">
             <a:avLst/>
@@ -2483,8 +2483,8 @@
         </p:nvSpPr>
         <p:spPr>
           <a:xfrm>
-            <a:off x="838200" y="3162304"/>
-            <a:ext cx="10515600" cy="7537283"/>
+            <a:off x="838200" y="3833390"/>
+            <a:ext cx="10515600" cy="9136803"/>
           </a:xfrm>
           <a:prstGeom prst="rect">
             <a:avLst/>
@@ -2545,8 +2545,8 @@
         </p:nvSpPr>
         <p:spPr>
           <a:xfrm>
-            <a:off x="838200" y="11010319"/>
-            <a:ext cx="2743200" cy="632461"/>
+            <a:off x="838200" y="13346867"/>
+            <a:ext cx="2743200" cy="766678"/>
           </a:xfrm>
           <a:prstGeom prst="rect">
             <a:avLst/>
@@ -2586,8 +2586,8 @@
         </p:nvSpPr>
         <p:spPr>
           <a:xfrm>
-            <a:off x="4038600" y="11010319"/>
-            <a:ext cx="4114800" cy="632461"/>
+            <a:off x="4038600" y="13346867"/>
+            <a:ext cx="4114800" cy="766678"/>
           </a:xfrm>
           <a:prstGeom prst="rect">
             <a:avLst/>
@@ -2623,8 +2623,8 @@
         </p:nvSpPr>
         <p:spPr>
           <a:xfrm>
-            <a:off x="8610600" y="11010319"/>
-            <a:ext cx="2743200" cy="632461"/>
+            <a:off x="8610600" y="13346867"/>
+            <a:ext cx="2743200" cy="766678"/>
           </a:xfrm>
           <a:prstGeom prst="rect">
             <a:avLst/>
@@ -2655,23 +2655,23 @@
     </p:spTree>
     <p:extLst>
       <p:ext uri="{BB962C8B-B14F-4D97-AF65-F5344CB8AC3E}">
-        <p14:creationId xmlns:p14="http://schemas.microsoft.com/office/powerpoint/2010/main" val="591242919"/>
+        <p14:creationId xmlns:p14="http://schemas.microsoft.com/office/powerpoint/2010/main" val="3397976737"/>
       </p:ext>
     </p:extLst>
   </p:cSld>
   <p:clrMap bg1="lt1" tx1="dk1" bg2="lt2" tx2="dk2" accent1="accent1" accent2="accent2" accent3="accent3" accent4="accent4" accent5="accent5" accent6="accent6" hlink="hlink" folHlink="folHlink"/>
   <p:sldLayoutIdLst>
-    <p:sldLayoutId id="2147483661" r:id="rId1"/>
-    <p:sldLayoutId id="2147483662" r:id="rId2"/>
-    <p:sldLayoutId id="2147483663" r:id="rId3"/>
-    <p:sldLayoutId id="2147483664" r:id="rId4"/>
-    <p:sldLayoutId id="2147483665" r:id="rId5"/>
-    <p:sldLayoutId id="2147483666" r:id="rId6"/>
-    <p:sldLayoutId id="2147483667" r:id="rId7"/>
-    <p:sldLayoutId id="2147483668" r:id="rId8"/>
-    <p:sldLayoutId id="2147483669" r:id="rId9"/>
-    <p:sldLayoutId id="2147483670" r:id="rId10"/>
-    <p:sldLayoutId id="2147483671" r:id="rId11"/>
+    <p:sldLayoutId id="2147483673" r:id="rId1"/>
+    <p:sldLayoutId id="2147483674" r:id="rId2"/>
+    <p:sldLayoutId id="2147483675" r:id="rId3"/>
+    <p:sldLayoutId id="2147483676" r:id="rId4"/>
+    <p:sldLayoutId id="2147483677" r:id="rId5"/>
+    <p:sldLayoutId id="2147483678" r:id="rId6"/>
+    <p:sldLayoutId id="2147483679" r:id="rId7"/>
+    <p:sldLayoutId id="2147483680" r:id="rId8"/>
+    <p:sldLayoutId id="2147483681" r:id="rId9"/>
+    <p:sldLayoutId id="2147483682" r:id="rId10"/>
+    <p:sldLayoutId id="2147483683" r:id="rId11"/>
   </p:sldLayoutIdLst>
   <p:txStyles>
     <p:titleStyle>
@@ -2987,7 +2987,7 @@
         </p:nvGrpSpPr>
         <p:grpSpPr>
           <a:xfrm>
-            <a:off x="896815" y="138073"/>
+            <a:off x="896815" y="1398548"/>
             <a:ext cx="9686466" cy="11603116"/>
             <a:chOff x="896815" y="105420"/>
             <a:chExt cx="9686466" cy="11603116"/>
@@ -4462,7 +4462,7 @@
         </p:nvGrpSpPr>
         <p:grpSpPr>
           <a:xfrm>
-            <a:off x="974534" y="826153"/>
+            <a:off x="974534" y="2086628"/>
             <a:ext cx="9798236" cy="5113478"/>
             <a:chOff x="974534" y="826153"/>
             <a:chExt cx="9798236" cy="5113478"/>
@@ -5042,10 +5042,10 @@
       </p:grpSpPr>
       <p:grpSp>
         <p:nvGrpSpPr>
-          <p:cNvPr id="10" name="Group 9">
+          <p:cNvPr id="14" name="Group 13">
             <a:extLst>
               <a:ext uri="{FF2B5EF4-FFF2-40B4-BE49-F238E27FC236}">
-                <a16:creationId xmlns:a16="http://schemas.microsoft.com/office/drawing/2014/main" id="{14D7AF4C-2ADD-D934-F254-899598B65189}"/>
+                <a16:creationId xmlns:a16="http://schemas.microsoft.com/office/drawing/2014/main" id="{EC69352A-9B45-B752-6D2B-8C476000E4B1}"/>
               </a:ext>
             </a:extLst>
           </p:cNvPr>
@@ -5054,9 +5054,9 @@
         </p:nvGrpSpPr>
         <p:grpSpPr>
           <a:xfrm>
-            <a:off x="156368" y="0"/>
+            <a:off x="156369" y="803276"/>
             <a:ext cx="11879263" cy="11879263"/>
-            <a:chOff x="156368" y="0"/>
+            <a:chOff x="156369" y="803276"/>
             <a:chExt cx="11879263" cy="11879263"/>
           </a:xfrm>
         </p:grpSpPr>
@@ -5074,7 +5074,7 @@
           </p:nvGrpSpPr>
           <p:grpSpPr>
             <a:xfrm>
-              <a:off x="156368" y="0"/>
+              <a:off x="156369" y="803276"/>
               <a:ext cx="11879263" cy="11879263"/>
               <a:chOff x="156368" y="0"/>
               <a:chExt cx="11879263" cy="11879263"/>
@@ -5277,7 +5277,7 @@
           </p:nvSpPr>
           <p:spPr>
             <a:xfrm>
-              <a:off x="5741581" y="2275367"/>
+              <a:off x="5741582" y="3078642"/>
               <a:ext cx="3742661" cy="1754326"/>
             </a:xfrm>
             <a:prstGeom prst="rect">
@@ -5313,7 +5313,7 @@
           </p:nvSpPr>
           <p:spPr>
             <a:xfrm>
-              <a:off x="5741581" y="9603896"/>
+              <a:off x="5741582" y="10407172"/>
               <a:ext cx="5422603" cy="461665"/>
             </a:xfrm>
             <a:prstGeom prst="rect">
@@ -5349,7 +5349,7 @@
           </p:nvSpPr>
           <p:spPr>
             <a:xfrm>
-              <a:off x="1892810" y="5566111"/>
+              <a:off x="1892811" y="6369387"/>
               <a:ext cx="2842433" cy="461665"/>
             </a:xfrm>
             <a:prstGeom prst="rect">
@@ -5371,6 +5371,214 @@
             </a:p>
           </p:txBody>
         </p:sp>
+        <p:cxnSp>
+          <p:nvCxnSpPr>
+            <p:cNvPr id="11" name="Straight Connector 10">
+              <a:extLst>
+                <a:ext uri="{FF2B5EF4-FFF2-40B4-BE49-F238E27FC236}">
+                  <a16:creationId xmlns:a16="http://schemas.microsoft.com/office/drawing/2014/main" id="{254C2773-4C3D-2DDF-6B13-3B96C8A33DA8}"/>
+                </a:ext>
+              </a:extLst>
+            </p:cNvPr>
+            <p:cNvCxnSpPr>
+              <a:cxnSpLocks/>
+            </p:cNvCxnSpPr>
+            <p:nvPr/>
+          </p:nvCxnSpPr>
+          <p:spPr>
+            <a:xfrm>
+              <a:off x="2977116" y="10606494"/>
+              <a:ext cx="0" cy="1254642"/>
+            </a:xfrm>
+            <a:prstGeom prst="line">
+              <a:avLst/>
+            </a:prstGeom>
+            <a:ln w="25400">
+              <a:solidFill>
+                <a:schemeClr val="tx1"/>
+              </a:solidFill>
+              <a:prstDash val="sysDash"/>
+            </a:ln>
+          </p:spPr>
+          <p:style>
+            <a:lnRef idx="1">
+              <a:schemeClr val="accent1"/>
+            </a:lnRef>
+            <a:fillRef idx="0">
+              <a:schemeClr val="accent1"/>
+            </a:fillRef>
+            <a:effectRef idx="0">
+              <a:schemeClr val="accent1"/>
+            </a:effectRef>
+            <a:fontRef idx="minor">
+              <a:schemeClr val="tx1"/>
+            </a:fontRef>
+          </p:style>
+        </p:cxnSp>
+        <p:cxnSp>
+          <p:nvCxnSpPr>
+            <p:cNvPr id="15" name="Straight Connector 14">
+              <a:extLst>
+                <a:ext uri="{FF2B5EF4-FFF2-40B4-BE49-F238E27FC236}">
+                  <a16:creationId xmlns:a16="http://schemas.microsoft.com/office/drawing/2014/main" id="{31A713D8-E205-E794-1B34-E4B08ACFA52B}"/>
+                </a:ext>
+              </a:extLst>
+            </p:cNvPr>
+            <p:cNvCxnSpPr>
+              <a:cxnSpLocks/>
+            </p:cNvCxnSpPr>
+            <p:nvPr/>
+          </p:nvCxnSpPr>
+          <p:spPr>
+            <a:xfrm>
+              <a:off x="3384697" y="10606494"/>
+              <a:ext cx="0" cy="1254642"/>
+            </a:xfrm>
+            <a:prstGeom prst="line">
+              <a:avLst/>
+            </a:prstGeom>
+            <a:ln w="25400">
+              <a:solidFill>
+                <a:schemeClr val="tx1"/>
+              </a:solidFill>
+              <a:prstDash val="sysDash"/>
+            </a:ln>
+          </p:spPr>
+          <p:style>
+            <a:lnRef idx="1">
+              <a:schemeClr val="accent1"/>
+            </a:lnRef>
+            <a:fillRef idx="0">
+              <a:schemeClr val="accent1"/>
+            </a:fillRef>
+            <a:effectRef idx="0">
+              <a:schemeClr val="accent1"/>
+            </a:effectRef>
+            <a:fontRef idx="minor">
+              <a:schemeClr val="tx1"/>
+            </a:fontRef>
+          </p:style>
+        </p:cxnSp>
+        <p:sp>
+          <p:nvSpPr>
+            <p:cNvPr id="16" name="TextBox 15">
+              <a:extLst>
+                <a:ext uri="{FF2B5EF4-FFF2-40B4-BE49-F238E27FC236}">
+                  <a16:creationId xmlns:a16="http://schemas.microsoft.com/office/drawing/2014/main" id="{B9358F18-3AE3-794D-C18F-F7503F08DAA1}"/>
+                </a:ext>
+              </a:extLst>
+            </p:cNvPr>
+            <p:cNvSpPr txBox="1"/>
+            <p:nvPr/>
+          </p:nvSpPr>
+          <p:spPr>
+            <a:xfrm>
+              <a:off x="1648155" y="10161849"/>
+              <a:ext cx="2842433" cy="400110"/>
+            </a:xfrm>
+            <a:prstGeom prst="rect">
+              <a:avLst/>
+            </a:prstGeom>
+            <a:noFill/>
+          </p:spPr>
+          <p:txBody>
+            <a:bodyPr wrap="square" rtlCol="0">
+              <a:spAutoFit/>
+            </a:bodyPr>
+            <a:lstStyle/>
+            <a:p>
+              <a:pPr algn="ctr"/>
+              <a:r>
+                <a:rPr lang="en-GB" sz="2000" dirty="0"/>
+                <a:t>BLLs were measured</a:t>
+              </a:r>
+            </a:p>
+          </p:txBody>
+        </p:sp>
+        <p:sp>
+          <p:nvSpPr>
+            <p:cNvPr id="17" name="TextBox 16">
+              <a:extLst>
+                <a:ext uri="{FF2B5EF4-FFF2-40B4-BE49-F238E27FC236}">
+                  <a16:creationId xmlns:a16="http://schemas.microsoft.com/office/drawing/2014/main" id="{02CFCE26-6471-0EA0-D011-7EF33E1911C1}"/>
+                </a:ext>
+              </a:extLst>
+            </p:cNvPr>
+            <p:cNvSpPr txBox="1"/>
+            <p:nvPr/>
+          </p:nvSpPr>
+          <p:spPr>
+            <a:xfrm>
+              <a:off x="5029203" y="9106840"/>
+              <a:ext cx="2842433" cy="707886"/>
+            </a:xfrm>
+            <a:prstGeom prst="rect">
+              <a:avLst/>
+            </a:prstGeom>
+            <a:noFill/>
+          </p:spPr>
+          <p:txBody>
+            <a:bodyPr wrap="square" rtlCol="0">
+              <a:spAutoFit/>
+            </a:bodyPr>
+            <a:lstStyle/>
+            <a:p>
+              <a:pPr algn="ctr"/>
+              <a:r>
+                <a:rPr lang="en-GB" sz="2000" dirty="0" err="1"/>
+                <a:t>MHa</a:t>
+              </a:r>
+              <a:r>
+                <a:rPr lang="en-GB" sz="2000" dirty="0"/>
+                <a:t> outcomes were measured</a:t>
+              </a:r>
+            </a:p>
+          </p:txBody>
+        </p:sp>
+        <p:cxnSp>
+          <p:nvCxnSpPr>
+            <p:cNvPr id="18" name="Straight Connector 17">
+              <a:extLst>
+                <a:ext uri="{FF2B5EF4-FFF2-40B4-BE49-F238E27FC236}">
+                  <a16:creationId xmlns:a16="http://schemas.microsoft.com/office/drawing/2014/main" id="{204544A1-D6F0-333C-F6DD-692370199339}"/>
+                </a:ext>
+              </a:extLst>
+            </p:cNvPr>
+            <p:cNvCxnSpPr>
+              <a:cxnSpLocks/>
+            </p:cNvCxnSpPr>
+            <p:nvPr/>
+          </p:nvCxnSpPr>
+          <p:spPr>
+            <a:xfrm>
+              <a:off x="5346997" y="9359439"/>
+              <a:ext cx="0" cy="2476297"/>
+            </a:xfrm>
+            <a:prstGeom prst="line">
+              <a:avLst/>
+            </a:prstGeom>
+            <a:ln w="25400">
+              <a:solidFill>
+                <a:schemeClr val="tx1"/>
+              </a:solidFill>
+              <a:prstDash val="sysDash"/>
+            </a:ln>
+          </p:spPr>
+          <p:style>
+            <a:lnRef idx="1">
+              <a:schemeClr val="accent1"/>
+            </a:lnRef>
+            <a:fillRef idx="0">
+              <a:schemeClr val="accent1"/>
+            </a:fillRef>
+            <a:effectRef idx="0">
+              <a:schemeClr val="accent1"/>
+            </a:effectRef>
+            <a:fontRef idx="minor">
+              <a:schemeClr val="tx1"/>
+            </a:fontRef>
+          </p:style>
+        </p:cxnSp>
       </p:grpSp>
     </p:spTree>
     <p:extLst>

--- a/causalgraphs.pptx
+++ b/causalgraphs.pptx
@@ -5509,8 +5509,8 @@
           </p:nvSpPr>
           <p:spPr>
             <a:xfrm>
-              <a:off x="5029203" y="9106840"/>
-              <a:ext cx="2842433" cy="707886"/>
+              <a:off x="4304703" y="10444465"/>
+              <a:ext cx="2191227" cy="707886"/>
             </a:xfrm>
             <a:prstGeom prst="rect">
               <a:avLst/>
@@ -5551,8 +5551,8 @@
           </p:nvCxnSpPr>
           <p:spPr>
             <a:xfrm>
-              <a:off x="5346997" y="9359439"/>
-              <a:ext cx="0" cy="2476297"/>
+              <a:off x="5346997" y="11233815"/>
+              <a:ext cx="0" cy="601921"/>
             </a:xfrm>
             <a:prstGeom prst="line">
               <a:avLst/>

--- a/causalgraphs.pptx
+++ b/causalgraphs.pptx
@@ -245,7 +245,7 @@
           <a:p>
             <a:fld id="{0242246C-62F8-8D41-AE20-12536F7DA5C0}" type="datetimeFigureOut">
               <a:rPr lang="en-US" smtClean="0"/>
-              <a:t>5/3/22</a:t>
+              <a:t>1/19/23</a:t>
             </a:fld>
             <a:endParaRPr lang="en-US"/>
           </a:p>
@@ -415,7 +415,7 @@
           <a:p>
             <a:fld id="{0242246C-62F8-8D41-AE20-12536F7DA5C0}" type="datetimeFigureOut">
               <a:rPr lang="en-US" smtClean="0"/>
-              <a:t>5/3/22</a:t>
+              <a:t>1/19/23</a:t>
             </a:fld>
             <a:endParaRPr lang="en-US"/>
           </a:p>
@@ -595,7 +595,7 @@
           <a:p>
             <a:fld id="{0242246C-62F8-8D41-AE20-12536F7DA5C0}" type="datetimeFigureOut">
               <a:rPr lang="en-US" smtClean="0"/>
-              <a:t>5/3/22</a:t>
+              <a:t>1/19/23</a:t>
             </a:fld>
             <a:endParaRPr lang="en-US"/>
           </a:p>
@@ -765,7 +765,7 @@
           <a:p>
             <a:fld id="{0242246C-62F8-8D41-AE20-12536F7DA5C0}" type="datetimeFigureOut">
               <a:rPr lang="en-US" smtClean="0"/>
-              <a:t>5/3/22</a:t>
+              <a:t>1/19/23</a:t>
             </a:fld>
             <a:endParaRPr lang="en-US"/>
           </a:p>
@@ -1009,7 +1009,7 @@
           <a:p>
             <a:fld id="{0242246C-62F8-8D41-AE20-12536F7DA5C0}" type="datetimeFigureOut">
               <a:rPr lang="en-US" smtClean="0"/>
-              <a:t>5/3/22</a:t>
+              <a:t>1/19/23</a:t>
             </a:fld>
             <a:endParaRPr lang="en-US"/>
           </a:p>
@@ -1241,7 +1241,7 @@
           <a:p>
             <a:fld id="{0242246C-62F8-8D41-AE20-12536F7DA5C0}" type="datetimeFigureOut">
               <a:rPr lang="en-US" smtClean="0"/>
-              <a:t>5/3/22</a:t>
+              <a:t>1/19/23</a:t>
             </a:fld>
             <a:endParaRPr lang="en-US"/>
           </a:p>
@@ -1608,7 +1608,7 @@
           <a:p>
             <a:fld id="{0242246C-62F8-8D41-AE20-12536F7DA5C0}" type="datetimeFigureOut">
               <a:rPr lang="en-US" smtClean="0"/>
-              <a:t>5/3/22</a:t>
+              <a:t>1/19/23</a:t>
             </a:fld>
             <a:endParaRPr lang="en-US"/>
           </a:p>
@@ -1726,7 +1726,7 @@
           <a:p>
             <a:fld id="{0242246C-62F8-8D41-AE20-12536F7DA5C0}" type="datetimeFigureOut">
               <a:rPr lang="en-US" smtClean="0"/>
-              <a:t>5/3/22</a:t>
+              <a:t>1/19/23</a:t>
             </a:fld>
             <a:endParaRPr lang="en-US"/>
           </a:p>
@@ -1821,7 +1821,7 @@
           <a:p>
             <a:fld id="{0242246C-62F8-8D41-AE20-12536F7DA5C0}" type="datetimeFigureOut">
               <a:rPr lang="en-US" smtClean="0"/>
-              <a:t>5/3/22</a:t>
+              <a:t>1/19/23</a:t>
             </a:fld>
             <a:endParaRPr lang="en-US"/>
           </a:p>
@@ -2098,7 +2098,7 @@
           <a:p>
             <a:fld id="{0242246C-62F8-8D41-AE20-12536F7DA5C0}" type="datetimeFigureOut">
               <a:rPr lang="en-US" smtClean="0"/>
-              <a:t>5/3/22</a:t>
+              <a:t>1/19/23</a:t>
             </a:fld>
             <a:endParaRPr lang="en-US"/>
           </a:p>
@@ -2355,7 +2355,7 @@
           <a:p>
             <a:fld id="{0242246C-62F8-8D41-AE20-12536F7DA5C0}" type="datetimeFigureOut">
               <a:rPr lang="en-US" smtClean="0"/>
-              <a:t>5/3/22</a:t>
+              <a:t>1/19/23</a:t>
             </a:fld>
             <a:endParaRPr lang="en-US"/>
           </a:p>
@@ -2568,7 +2568,7 @@
           <a:p>
             <a:fld id="{0242246C-62F8-8D41-AE20-12536F7DA5C0}" type="datetimeFigureOut">
               <a:rPr lang="en-US" smtClean="0"/>
-              <a:t>5/3/22</a:t>
+              <a:t>1/19/23</a:t>
             </a:fld>
             <a:endParaRPr lang="en-US"/>
           </a:p>
@@ -2987,10 +2987,10 @@
         </p:nvGrpSpPr>
         <p:grpSpPr>
           <a:xfrm>
-            <a:off x="896815" y="1398548"/>
-            <a:ext cx="9686466" cy="11603116"/>
-            <a:chOff x="896815" y="105420"/>
-            <a:chExt cx="9686466" cy="11603116"/>
+            <a:off x="896815" y="1268206"/>
+            <a:ext cx="9686466" cy="11733458"/>
+            <a:chOff x="896815" y="-24922"/>
+            <a:chExt cx="9686466" cy="11733458"/>
           </a:xfrm>
         </p:grpSpPr>
         <p:cxnSp>
@@ -3083,10 +3083,7 @@
             <a:lstStyle/>
             <a:p>
               <a:pPr algn="ctr"/>
-              <a:r>
-                <a:rPr lang="en-US" sz="1550" dirty="0"/>
-                <a:t>Wellbeing</a:t>
-              </a:r>
+              <a:endParaRPr lang="en-US" sz="1550" dirty="0"/>
             </a:p>
           </p:txBody>
         </p:sp>
@@ -3150,8 +3147,8 @@
           </p:nvSpPr>
           <p:spPr>
             <a:xfrm>
-              <a:off x="4265655" y="105420"/>
-              <a:ext cx="3657600" cy="369332"/>
+              <a:off x="4271580" y="-24922"/>
+              <a:ext cx="3657600" cy="461665"/>
             </a:xfrm>
             <a:prstGeom prst="rect">
               <a:avLst/>
@@ -3166,7 +3163,7 @@
             <a:p>
               <a:pPr algn="ctr"/>
               <a:r>
-                <a:rPr lang="en-US" b="1" dirty="0"/>
+                <a:rPr lang="en-US" sz="2400" b="1" dirty="0"/>
                 <a:t>Lead Exposure</a:t>
               </a:r>
             </a:p>
@@ -3190,8 +3187,8 @@
           </p:nvCxnSpPr>
           <p:spPr>
             <a:xfrm>
-              <a:off x="6094455" y="474752"/>
-              <a:ext cx="5925" cy="173122"/>
+              <a:off x="6100380" y="436743"/>
+              <a:ext cx="0" cy="211131"/>
             </a:xfrm>
             <a:prstGeom prst="straightConnector1">
               <a:avLst/>
@@ -3259,14 +3256,6 @@
             <a:lstStyle/>
             <a:p>
               <a:pPr algn="ctr"/>
-              <a:r>
-                <a:rPr lang="en-US" sz="1550" dirty="0">
-                  <a:solidFill>
-                    <a:sysClr val="windowText" lastClr="000000"/>
-                  </a:solidFill>
-                </a:rPr>
-                <a:t>Lead in the body </a:t>
-              </a:r>
               <a:endParaRPr lang="en-US" sz="1550" dirty="0"/>
             </a:p>
           </p:txBody>
@@ -3358,15 +3347,7 @@
             <a:lstStyle/>
             <a:p>
               <a:pPr algn="ctr"/>
-              <a:r>
-                <a:rPr lang="en-US" sz="1550" dirty="0">
-                  <a:solidFill>
-                    <a:sysClr val="windowText" lastClr="000000"/>
-                  </a:solidFill>
-                </a:rPr>
-                <a:t>Neurotoxicity</a:t>
-              </a:r>
-              <a:endParaRPr lang="en-US" sz="1550" dirty="0"/>
+              <a:endParaRPr lang="en-US" sz="1600" dirty="0"/>
             </a:p>
           </p:txBody>
         </p:sp>
@@ -3411,14 +3392,6 @@
             <a:lstStyle/>
             <a:p>
               <a:pPr algn="ctr"/>
-              <a:r>
-                <a:rPr lang="en-US" sz="1550" dirty="0">
-                  <a:solidFill>
-                    <a:sysClr val="windowText" lastClr="000000"/>
-                  </a:solidFill>
-                </a:rPr>
-                <a:t>Other health issues</a:t>
-              </a:r>
               <a:endParaRPr lang="en-US" sz="1550" dirty="0"/>
             </a:p>
           </p:txBody>
@@ -3605,14 +3578,6 @@
             <a:lstStyle/>
             <a:p>
               <a:pPr algn="ctr"/>
-              <a:r>
-                <a:rPr lang="en-US" sz="1550" dirty="0">
-                  <a:solidFill>
-                    <a:sysClr val="windowText" lastClr="000000"/>
-                  </a:solidFill>
-                </a:rPr>
-                <a:t>Educational Achievement</a:t>
-              </a:r>
               <a:endParaRPr lang="en-US" sz="1550" dirty="0"/>
             </a:p>
           </p:txBody>
@@ -3678,14 +3643,6 @@
               <a:lstStyle/>
               <a:p>
                 <a:pPr algn="ctr"/>
-                <a:r>
-                  <a:rPr lang="en-US" sz="1550" dirty="0">
-                    <a:solidFill>
-                      <a:sysClr val="windowText" lastClr="000000"/>
-                    </a:solidFill>
-                  </a:rPr>
-                  <a:t>Cognitive Functioning</a:t>
-                </a:r>
                 <a:endParaRPr lang="en-US" sz="1550" dirty="0"/>
               </a:p>
             </p:txBody>
@@ -3731,14 +3688,6 @@
               <a:lstStyle/>
               <a:p>
                 <a:pPr algn="ctr"/>
-                <a:r>
-                  <a:rPr lang="en-US" sz="1550" dirty="0">
-                    <a:solidFill>
-                      <a:sysClr val="windowText" lastClr="000000"/>
-                    </a:solidFill>
-                  </a:rPr>
-                  <a:t>Intelligence (IQ)</a:t>
-                </a:r>
                 <a:endParaRPr lang="en-US" sz="1550" dirty="0"/>
               </a:p>
             </p:txBody>
@@ -3784,22 +3733,6 @@
               <a:lstStyle/>
               <a:p>
                 <a:pPr algn="ctr"/>
-                <a:r>
-                  <a:rPr lang="en-US" sz="1550" dirty="0" err="1">
-                    <a:solidFill>
-                      <a:sysClr val="windowText" lastClr="000000"/>
-                    </a:solidFill>
-                  </a:rPr>
-                  <a:t>Behavioural</a:t>
-                </a:r>
-                <a:r>
-                  <a:rPr lang="en-US" sz="1550" dirty="0">
-                    <a:solidFill>
-                      <a:sysClr val="windowText" lastClr="000000"/>
-                    </a:solidFill>
-                  </a:rPr>
-                  <a:t> issues</a:t>
-                </a:r>
                 <a:endParaRPr lang="en-US" sz="1550" dirty="0"/>
               </a:p>
             </p:txBody>
@@ -3895,14 +3828,6 @@
               <a:lstStyle/>
               <a:p>
                 <a:pPr algn="ctr"/>
-                <a:r>
-                  <a:rPr lang="en-US" sz="1550" dirty="0">
-                    <a:solidFill>
-                      <a:sysClr val="windowText" lastClr="000000"/>
-                    </a:solidFill>
-                  </a:rPr>
-                  <a:t>Emotional issues</a:t>
-                </a:r>
                 <a:endParaRPr lang="en-US" sz="1550" dirty="0"/>
               </a:p>
             </p:txBody>
@@ -3949,14 +3874,6 @@
             <a:lstStyle/>
             <a:p>
               <a:pPr algn="ctr"/>
-              <a:r>
-                <a:rPr lang="en-US" sz="1550" dirty="0">
-                  <a:solidFill>
-                    <a:sysClr val="windowText" lastClr="000000"/>
-                  </a:solidFill>
-                </a:rPr>
-                <a:t>Socio-economic status</a:t>
-              </a:r>
               <a:endParaRPr lang="en-US" sz="1550" dirty="0"/>
             </a:p>
           </p:txBody>
@@ -4044,22 +3961,6 @@
             <a:lstStyle/>
             <a:p>
               <a:pPr algn="ctr"/>
-              <a:r>
-                <a:rPr lang="en-US" sz="1550" dirty="0">
-                  <a:solidFill>
-                    <a:sysClr val="windowText" lastClr="000000"/>
-                  </a:solidFill>
-                </a:rPr>
-                <a:t>Crime and anti-social </a:t>
-              </a:r>
-              <a:r>
-                <a:rPr lang="en-US" sz="1550" dirty="0" err="1">
-                  <a:solidFill>
-                    <a:sysClr val="windowText" lastClr="000000"/>
-                  </a:solidFill>
-                </a:rPr>
-                <a:t>behaviour</a:t>
-              </a:r>
               <a:endParaRPr lang="en-US" sz="1550" dirty="0"/>
             </a:p>
           </p:txBody>
@@ -4168,8 +4069,8 @@
           </p:nvCxnSpPr>
           <p:spPr>
             <a:xfrm flipV="1">
-              <a:off x="10246072" y="269005"/>
-              <a:ext cx="0" cy="6943946"/>
+              <a:off x="10246072" y="205910"/>
+              <a:ext cx="0" cy="7007041"/>
             </a:xfrm>
             <a:prstGeom prst="line">
               <a:avLst/>
@@ -4210,9 +4111,9 @@
             <p:nvPr/>
           </p:nvCxnSpPr>
           <p:spPr>
-            <a:xfrm flipH="1" flipV="1">
-              <a:off x="6923170" y="274697"/>
-              <a:ext cx="3322902" cy="15389"/>
+            <a:xfrm flipH="1">
+              <a:off x="7162800" y="205910"/>
+              <a:ext cx="3089515" cy="0"/>
             </a:xfrm>
             <a:prstGeom prst="straightConnector1">
               <a:avLst/>
@@ -4418,6 +4319,411 @@
           </p:style>
         </p:cxnSp>
       </p:grpSp>
+      <p:sp>
+        <p:nvSpPr>
+          <p:cNvPr id="2" name="TextBox 1">
+            <a:extLst>
+              <a:ext uri="{FF2B5EF4-FFF2-40B4-BE49-F238E27FC236}">
+                <a16:creationId xmlns:a16="http://schemas.microsoft.com/office/drawing/2014/main" id="{DEB9A532-C9A3-0D71-4196-5767404FD25E}"/>
+              </a:ext>
+            </a:extLst>
+          </p:cNvPr>
+          <p:cNvSpPr txBox="1"/>
+          <p:nvPr/>
+        </p:nvSpPr>
+        <p:spPr>
+          <a:xfrm>
+            <a:off x="2494235" y="2634786"/>
+            <a:ext cx="2454623" cy="400110"/>
+          </a:xfrm>
+          <a:prstGeom prst="rect">
+            <a:avLst/>
+          </a:prstGeom>
+          <a:noFill/>
+        </p:spPr>
+        <p:txBody>
+          <a:bodyPr wrap="square" rtlCol="0">
+            <a:spAutoFit/>
+          </a:bodyPr>
+          <a:lstStyle/>
+          <a:p>
+            <a:pPr algn="ctr"/>
+            <a:r>
+              <a:rPr lang="en-US" sz="2000" dirty="0"/>
+              <a:t>Neurotoxicity</a:t>
+            </a:r>
+          </a:p>
+        </p:txBody>
+      </p:sp>
+      <p:sp>
+        <p:nvSpPr>
+          <p:cNvPr id="17" name="TextBox 16">
+            <a:extLst>
+              <a:ext uri="{FF2B5EF4-FFF2-40B4-BE49-F238E27FC236}">
+                <a16:creationId xmlns:a16="http://schemas.microsoft.com/office/drawing/2014/main" id="{5EA8CAFF-4672-3511-1069-BEB5DC2331A7}"/>
+              </a:ext>
+            </a:extLst>
+          </p:cNvPr>
+          <p:cNvSpPr txBox="1"/>
+          <p:nvPr/>
+        </p:nvSpPr>
+        <p:spPr>
+          <a:xfrm>
+            <a:off x="5168131" y="2480481"/>
+            <a:ext cx="1852647" cy="707886"/>
+          </a:xfrm>
+          <a:prstGeom prst="rect">
+            <a:avLst/>
+          </a:prstGeom>
+          <a:noFill/>
+        </p:spPr>
+        <p:txBody>
+          <a:bodyPr wrap="square">
+            <a:spAutoFit/>
+          </a:bodyPr>
+          <a:lstStyle/>
+          <a:p>
+            <a:pPr algn="ctr"/>
+            <a:r>
+              <a:rPr lang="en-US" sz="2000" dirty="0"/>
+              <a:t>Lead in the body</a:t>
+            </a:r>
+          </a:p>
+        </p:txBody>
+      </p:sp>
+      <p:sp>
+        <p:nvSpPr>
+          <p:cNvPr id="19" name="TextBox 18">
+            <a:extLst>
+              <a:ext uri="{FF2B5EF4-FFF2-40B4-BE49-F238E27FC236}">
+                <a16:creationId xmlns:a16="http://schemas.microsoft.com/office/drawing/2014/main" id="{32D0C28F-3A5C-49FC-BBC7-A4F4ED328797}"/>
+              </a:ext>
+            </a:extLst>
+          </p:cNvPr>
+          <p:cNvSpPr txBox="1"/>
+          <p:nvPr/>
+        </p:nvSpPr>
+        <p:spPr>
+          <a:xfrm>
+            <a:off x="7753055" y="2521613"/>
+            <a:ext cx="1800000" cy="707886"/>
+          </a:xfrm>
+          <a:prstGeom prst="rect">
+            <a:avLst/>
+          </a:prstGeom>
+          <a:noFill/>
+        </p:spPr>
+        <p:txBody>
+          <a:bodyPr wrap="square">
+            <a:spAutoFit/>
+          </a:bodyPr>
+          <a:lstStyle/>
+          <a:p>
+            <a:pPr algn="ctr"/>
+            <a:r>
+              <a:rPr lang="en-US" sz="2000" dirty="0"/>
+              <a:t>Other health issues</a:t>
+            </a:r>
+          </a:p>
+        </p:txBody>
+      </p:sp>
+      <p:sp>
+        <p:nvSpPr>
+          <p:cNvPr id="30" name="TextBox 29">
+            <a:extLst>
+              <a:ext uri="{FF2B5EF4-FFF2-40B4-BE49-F238E27FC236}">
+                <a16:creationId xmlns:a16="http://schemas.microsoft.com/office/drawing/2014/main" id="{EC9E4BD3-0A24-C103-CE6C-7C776A27536B}"/>
+              </a:ext>
+            </a:extLst>
+          </p:cNvPr>
+          <p:cNvSpPr txBox="1"/>
+          <p:nvPr/>
+        </p:nvSpPr>
+        <p:spPr>
+          <a:xfrm>
+            <a:off x="1379349" y="4690245"/>
+            <a:ext cx="2141285" cy="707886"/>
+          </a:xfrm>
+          <a:prstGeom prst="rect">
+            <a:avLst/>
+          </a:prstGeom>
+          <a:noFill/>
+        </p:spPr>
+        <p:txBody>
+          <a:bodyPr wrap="square">
+            <a:spAutoFit/>
+          </a:bodyPr>
+          <a:lstStyle/>
+          <a:p>
+            <a:pPr algn="ctr"/>
+            <a:r>
+              <a:rPr lang="en-US" sz="2000" dirty="0"/>
+              <a:t>Cognitive functioning</a:t>
+            </a:r>
+          </a:p>
+        </p:txBody>
+      </p:sp>
+      <p:sp>
+        <p:nvSpPr>
+          <p:cNvPr id="31" name="TextBox 30">
+            <a:extLst>
+              <a:ext uri="{FF2B5EF4-FFF2-40B4-BE49-F238E27FC236}">
+                <a16:creationId xmlns:a16="http://schemas.microsoft.com/office/drawing/2014/main" id="{AE4E130D-F9E2-995F-DABA-44F1DFD9CCCB}"/>
+              </a:ext>
+            </a:extLst>
+          </p:cNvPr>
+          <p:cNvSpPr txBox="1"/>
+          <p:nvPr/>
+        </p:nvSpPr>
+        <p:spPr>
+          <a:xfrm>
+            <a:off x="4100176" y="4762129"/>
+            <a:ext cx="1656001" cy="707886"/>
+          </a:xfrm>
+          <a:prstGeom prst="rect">
+            <a:avLst/>
+          </a:prstGeom>
+          <a:noFill/>
+        </p:spPr>
+        <p:txBody>
+          <a:bodyPr wrap="square">
+            <a:spAutoFit/>
+          </a:bodyPr>
+          <a:lstStyle/>
+          <a:p>
+            <a:pPr algn="ctr"/>
+            <a:r>
+              <a:rPr lang="en-US" sz="2000" dirty="0"/>
+              <a:t>Emotional issues</a:t>
+            </a:r>
+          </a:p>
+        </p:txBody>
+      </p:sp>
+      <p:sp>
+        <p:nvSpPr>
+          <p:cNvPr id="32" name="TextBox 31">
+            <a:extLst>
+              <a:ext uri="{FF2B5EF4-FFF2-40B4-BE49-F238E27FC236}">
+                <a16:creationId xmlns:a16="http://schemas.microsoft.com/office/drawing/2014/main" id="{CB0C22C8-47C1-59FC-94EE-9AB817C4D15F}"/>
+              </a:ext>
+            </a:extLst>
+          </p:cNvPr>
+          <p:cNvSpPr txBox="1"/>
+          <p:nvPr/>
+        </p:nvSpPr>
+        <p:spPr>
+          <a:xfrm>
+            <a:off x="1666234" y="6661159"/>
+            <a:ext cx="1656001" cy="707886"/>
+          </a:xfrm>
+          <a:prstGeom prst="rect">
+            <a:avLst/>
+          </a:prstGeom>
+          <a:noFill/>
+        </p:spPr>
+        <p:txBody>
+          <a:bodyPr wrap="square">
+            <a:spAutoFit/>
+          </a:bodyPr>
+          <a:lstStyle/>
+          <a:p>
+            <a:pPr algn="ctr"/>
+            <a:r>
+              <a:rPr lang="en-US" sz="2000" dirty="0"/>
+              <a:t>Intelligence (IQ)</a:t>
+            </a:r>
+          </a:p>
+        </p:txBody>
+      </p:sp>
+      <p:sp>
+        <p:nvSpPr>
+          <p:cNvPr id="33" name="TextBox 32">
+            <a:extLst>
+              <a:ext uri="{FF2B5EF4-FFF2-40B4-BE49-F238E27FC236}">
+                <a16:creationId xmlns:a16="http://schemas.microsoft.com/office/drawing/2014/main" id="{5C19FD94-460A-44C4-40F6-29425F923E57}"/>
+              </a:ext>
+            </a:extLst>
+          </p:cNvPr>
+          <p:cNvSpPr txBox="1"/>
+          <p:nvPr/>
+        </p:nvSpPr>
+        <p:spPr>
+          <a:xfrm>
+            <a:off x="4100176" y="6644768"/>
+            <a:ext cx="1656001" cy="707886"/>
+          </a:xfrm>
+          <a:prstGeom prst="rect">
+            <a:avLst/>
+          </a:prstGeom>
+          <a:noFill/>
+        </p:spPr>
+        <p:txBody>
+          <a:bodyPr wrap="square">
+            <a:spAutoFit/>
+          </a:bodyPr>
+          <a:lstStyle/>
+          <a:p>
+            <a:pPr algn="ctr"/>
+            <a:r>
+              <a:rPr lang="en-US" sz="2000" dirty="0" err="1"/>
+              <a:t>Behavioural</a:t>
+            </a:r>
+            <a:r>
+              <a:rPr lang="en-US" sz="2000" dirty="0"/>
+              <a:t> issues</a:t>
+            </a:r>
+          </a:p>
+        </p:txBody>
+      </p:sp>
+      <p:sp>
+        <p:nvSpPr>
+          <p:cNvPr id="34" name="TextBox 33">
+            <a:extLst>
+              <a:ext uri="{FF2B5EF4-FFF2-40B4-BE49-F238E27FC236}">
+                <a16:creationId xmlns:a16="http://schemas.microsoft.com/office/drawing/2014/main" id="{25570EF1-67E6-40F7-B93F-1E26FD6988E4}"/>
+              </a:ext>
+            </a:extLst>
+          </p:cNvPr>
+          <p:cNvSpPr txBox="1"/>
+          <p:nvPr/>
+        </p:nvSpPr>
+        <p:spPr>
+          <a:xfrm>
+            <a:off x="2835394" y="9163639"/>
+            <a:ext cx="1656001" cy="707886"/>
+          </a:xfrm>
+          <a:prstGeom prst="rect">
+            <a:avLst/>
+          </a:prstGeom>
+          <a:noFill/>
+        </p:spPr>
+        <p:txBody>
+          <a:bodyPr wrap="square">
+            <a:spAutoFit/>
+          </a:bodyPr>
+          <a:lstStyle/>
+          <a:p>
+            <a:pPr algn="ctr"/>
+            <a:r>
+              <a:rPr lang="en-US" sz="2000" dirty="0"/>
+              <a:t>Educational achievement</a:t>
+            </a:r>
+          </a:p>
+        </p:txBody>
+      </p:sp>
+      <p:sp>
+        <p:nvSpPr>
+          <p:cNvPr id="35" name="TextBox 34">
+            <a:extLst>
+              <a:ext uri="{FF2B5EF4-FFF2-40B4-BE49-F238E27FC236}">
+                <a16:creationId xmlns:a16="http://schemas.microsoft.com/office/drawing/2014/main" id="{A1892CA5-43AD-11FE-4BCB-3D8492EAF247}"/>
+              </a:ext>
+            </a:extLst>
+          </p:cNvPr>
+          <p:cNvSpPr txBox="1"/>
+          <p:nvPr/>
+        </p:nvSpPr>
+        <p:spPr>
+          <a:xfrm>
+            <a:off x="5612899" y="8968847"/>
+            <a:ext cx="1656001" cy="1015663"/>
+          </a:xfrm>
+          <a:prstGeom prst="rect">
+            <a:avLst/>
+          </a:prstGeom>
+          <a:noFill/>
+        </p:spPr>
+        <p:txBody>
+          <a:bodyPr wrap="square">
+            <a:spAutoFit/>
+          </a:bodyPr>
+          <a:lstStyle/>
+          <a:p>
+            <a:pPr algn="ctr"/>
+            <a:r>
+              <a:rPr lang="en-US" sz="2000" dirty="0"/>
+              <a:t>Socio-economic status</a:t>
+            </a:r>
+          </a:p>
+        </p:txBody>
+      </p:sp>
+      <p:sp>
+        <p:nvSpPr>
+          <p:cNvPr id="36" name="TextBox 35">
+            <a:extLst>
+              <a:ext uri="{FF2B5EF4-FFF2-40B4-BE49-F238E27FC236}">
+                <a16:creationId xmlns:a16="http://schemas.microsoft.com/office/drawing/2014/main" id="{42D2B511-855E-B7A1-00B7-96AF34480ED6}"/>
+              </a:ext>
+            </a:extLst>
+          </p:cNvPr>
+          <p:cNvSpPr txBox="1"/>
+          <p:nvPr/>
+        </p:nvSpPr>
+        <p:spPr>
+          <a:xfrm>
+            <a:off x="8518715" y="9009750"/>
+            <a:ext cx="1656001" cy="1015663"/>
+          </a:xfrm>
+          <a:prstGeom prst="rect">
+            <a:avLst/>
+          </a:prstGeom>
+          <a:noFill/>
+        </p:spPr>
+        <p:txBody>
+          <a:bodyPr wrap="square">
+            <a:spAutoFit/>
+          </a:bodyPr>
+          <a:lstStyle/>
+          <a:p>
+            <a:pPr algn="ctr"/>
+            <a:r>
+              <a:rPr lang="en-US" sz="2000" dirty="0"/>
+              <a:t>Crime and anti-social </a:t>
+            </a:r>
+            <a:r>
+              <a:rPr lang="en-US" sz="2000" dirty="0" err="1"/>
+              <a:t>behaviour</a:t>
+            </a:r>
+            <a:endParaRPr lang="en-US" sz="2000" dirty="0"/>
+          </a:p>
+        </p:txBody>
+      </p:sp>
+      <p:sp>
+        <p:nvSpPr>
+          <p:cNvPr id="37" name="TextBox 36">
+            <a:extLst>
+              <a:ext uri="{FF2B5EF4-FFF2-40B4-BE49-F238E27FC236}">
+                <a16:creationId xmlns:a16="http://schemas.microsoft.com/office/drawing/2014/main" id="{AEEABAAB-8734-EE7F-1220-C5607FBA109F}"/>
+              </a:ext>
+            </a:extLst>
+          </p:cNvPr>
+          <p:cNvSpPr txBox="1"/>
+          <p:nvPr/>
+        </p:nvSpPr>
+        <p:spPr>
+          <a:xfrm>
+            <a:off x="5612898" y="11901609"/>
+            <a:ext cx="1656001" cy="400110"/>
+          </a:xfrm>
+          <a:prstGeom prst="rect">
+            <a:avLst/>
+          </a:prstGeom>
+          <a:noFill/>
+        </p:spPr>
+        <p:txBody>
+          <a:bodyPr wrap="square">
+            <a:spAutoFit/>
+          </a:bodyPr>
+          <a:lstStyle/>
+          <a:p>
+            <a:pPr algn="ctr"/>
+            <a:r>
+              <a:rPr lang="en-US" sz="2000" dirty="0"/>
+              <a:t>Wellbeing</a:t>
+            </a:r>
+          </a:p>
+        </p:txBody>
+      </p:sp>
     </p:spTree>
     <p:extLst>
       <p:ext uri="{BB962C8B-B14F-4D97-AF65-F5344CB8AC3E}">
